--- a/presentasi munaqosah/presentasi munaqosah.pptx
+++ b/presentasi munaqosah/presentasi munaqosah.pptx
@@ -19,6 +19,7 @@
     <p:sldId id="269" r:id="rId13"/>
     <p:sldId id="267" r:id="rId14"/>
     <p:sldId id="270" r:id="rId15"/>
+    <p:sldId id="271" r:id="rId16"/>
   </p:sldIdLst>
   <p:sldSz cx="9144000" cy="6858000" type="screen4x3"/>
   <p:notesSz cx="6858000" cy="9144000"/>
@@ -5068,6 +5069,90 @@
 </p:sld>
 </file>
 
+<file path=ppt/slides/slide15.xml><?xml version="1.0" encoding="utf-8"?>
+<p:sld xmlns:a="http://schemas.openxmlformats.org/drawingml/2006/main" xmlns:r="http://schemas.openxmlformats.org/officeDocument/2006/relationships" xmlns:p="http://schemas.openxmlformats.org/presentationml/2006/main">
+  <p:cSld>
+    <p:spTree>
+      <p:nvGrpSpPr>
+        <p:cNvPr id="1" name=""/>
+        <p:cNvGrpSpPr/>
+        <p:nvPr/>
+      </p:nvGrpSpPr>
+      <p:grpSpPr>
+        <a:xfrm>
+          <a:off x="0" y="0"/>
+          <a:ext cx="0" cy="0"/>
+          <a:chOff x="0" y="0"/>
+          <a:chExt cx="0" cy="0"/>
+        </a:xfrm>
+      </p:grpSpPr>
+      <p:sp>
+        <p:nvSpPr>
+          <p:cNvPr id="2" name="Title 1"/>
+          <p:cNvSpPr>
+            <a:spLocks noGrp="1"/>
+          </p:cNvSpPr>
+          <p:nvPr>
+            <p:ph type="title"/>
+          </p:nvPr>
+        </p:nvSpPr>
+        <p:spPr>
+          <a:xfrm>
+            <a:off x="664735" y="2028945"/>
+            <a:ext cx="8042276" cy="2632207"/>
+          </a:xfrm>
+        </p:spPr>
+        <p:txBody>
+          <a:bodyPr/>
+          <a:lstStyle/>
+          <a:p>
+            <a:r>
+              <a:rPr lang="en-US" dirty="0" smtClean="0"/>
+              <a:t>Demo </a:t>
+            </a:r>
+            <a:r>
+              <a:rPr lang="en-US" dirty="0" err="1" smtClean="0"/>
+              <a:t>IndoBlockly</a:t>
+            </a:r>
+            <a:r>
+              <a:rPr lang="en-US" dirty="0" smtClean="0"/>
+              <a:t/>
+            </a:r>
+            <a:br>
+              <a:rPr lang="en-US" dirty="0" smtClean="0"/>
+            </a:br>
+            <a:r>
+              <a:rPr lang="en-US" dirty="0" smtClean="0"/>
+              <a:t>&amp; </a:t>
+            </a:r>
+            <a:br>
+              <a:rPr lang="en-US" dirty="0" smtClean="0"/>
+            </a:br>
+            <a:r>
+              <a:rPr lang="en-US" dirty="0" err="1" smtClean="0"/>
+              <a:t>statistik</a:t>
+            </a:r>
+            <a:r>
+              <a:rPr lang="en-US" dirty="0" smtClean="0"/>
+              <a:t> R tool</a:t>
+            </a:r>
+            <a:endParaRPr lang="en-US" dirty="0"/>
+          </a:p>
+        </p:txBody>
+      </p:sp>
+    </p:spTree>
+    <p:extLst>
+      <p:ext uri="{BB962C8B-B14F-4D97-AF65-F5344CB8AC3E}">
+        <p14:creationId xmlns:p14="http://schemas.microsoft.com/office/powerpoint/2010/main" val="2087388692"/>
+      </p:ext>
+    </p:extLst>
+  </p:cSld>
+  <p:clrMapOvr>
+    <a:masterClrMapping/>
+  </p:clrMapOvr>
+</p:sld>
+</file>
+
 <file path=ppt/slides/slide2.xml><?xml version="1.0" encoding="utf-8"?>
 <p:sld xmlns:a="http://schemas.openxmlformats.org/drawingml/2006/main" xmlns:r="http://schemas.openxmlformats.org/officeDocument/2006/relationships" xmlns:p="http://schemas.openxmlformats.org/presentationml/2006/main">
   <p:cSld>

--- a/presentasi munaqosah/presentasi munaqosah.pptx
+++ b/presentasi munaqosah/presentasi munaqosah.pptx
@@ -6,20 +6,23 @@
   </p:sldMasterIdLst>
   <p:sldIdLst>
     <p:sldId id="259" r:id="rId2"/>
-    <p:sldId id="262" r:id="rId3"/>
-    <p:sldId id="257" r:id="rId4"/>
-    <p:sldId id="258" r:id="rId5"/>
-    <p:sldId id="260" r:id="rId6"/>
-    <p:sldId id="261" r:id="rId7"/>
-    <p:sldId id="263" r:id="rId8"/>
-    <p:sldId id="264" r:id="rId9"/>
-    <p:sldId id="265" r:id="rId10"/>
-    <p:sldId id="266" r:id="rId11"/>
-    <p:sldId id="268" r:id="rId12"/>
-    <p:sldId id="269" r:id="rId13"/>
-    <p:sldId id="267" r:id="rId14"/>
-    <p:sldId id="270" r:id="rId15"/>
-    <p:sldId id="271" r:id="rId16"/>
+    <p:sldId id="272" r:id="rId3"/>
+    <p:sldId id="262" r:id="rId4"/>
+    <p:sldId id="257" r:id="rId5"/>
+    <p:sldId id="258" r:id="rId6"/>
+    <p:sldId id="260" r:id="rId7"/>
+    <p:sldId id="261" r:id="rId8"/>
+    <p:sldId id="263" r:id="rId9"/>
+    <p:sldId id="264" r:id="rId10"/>
+    <p:sldId id="273" r:id="rId11"/>
+    <p:sldId id="265" r:id="rId12"/>
+    <p:sldId id="266" r:id="rId13"/>
+    <p:sldId id="268" r:id="rId14"/>
+    <p:sldId id="269" r:id="rId15"/>
+    <p:sldId id="267" r:id="rId16"/>
+    <p:sldId id="270" r:id="rId17"/>
+    <p:sldId id="274" r:id="rId18"/>
+    <p:sldId id="271" r:id="rId19"/>
   </p:sldIdLst>
   <p:sldSz cx="9144000" cy="6858000" type="screen4x3"/>
   <p:notesSz cx="6858000" cy="9144000"/>
@@ -4039,6 +4042,243 @@
           <a:chExt cx="0" cy="0"/>
         </a:xfrm>
       </p:grpSpPr>
+      <p:pic>
+        <p:nvPicPr>
+          <p:cNvPr id="4" name="Picture 3" descr="jadwalpenelitian.png"/>
+          <p:cNvPicPr>
+            <a:picLocks noChangeAspect="1"/>
+          </p:cNvPicPr>
+          <p:nvPr/>
+        </p:nvPicPr>
+        <p:blipFill>
+          <a:blip r:embed="rId2">
+            <a:extLst>
+              <a:ext uri="{28A0092B-C50C-407E-A947-70E740481C1C}">
+                <a14:useLocalDpi xmlns:a14="http://schemas.microsoft.com/office/drawing/2010/main" val="0"/>
+              </a:ext>
+            </a:extLst>
+          </a:blip>
+          <a:stretch>
+            <a:fillRect/>
+          </a:stretch>
+        </p:blipFill>
+        <p:spPr>
+          <a:xfrm>
+            <a:off x="0" y="2489200"/>
+            <a:ext cx="9144000" cy="1861490"/>
+          </a:xfrm>
+          <a:prstGeom prst="rect">
+            <a:avLst/>
+          </a:prstGeom>
+        </p:spPr>
+      </p:pic>
+      <p:sp>
+        <p:nvSpPr>
+          <p:cNvPr id="5" name="Title 1"/>
+          <p:cNvSpPr>
+            <a:spLocks noGrp="1"/>
+          </p:cNvSpPr>
+          <p:nvPr>
+            <p:ph type="title"/>
+          </p:nvPr>
+        </p:nvSpPr>
+        <p:spPr>
+          <a:xfrm>
+            <a:off x="549275" y="643325"/>
+            <a:ext cx="8042276" cy="907252"/>
+          </a:xfrm>
+        </p:spPr>
+        <p:txBody>
+          <a:bodyPr/>
+          <a:lstStyle/>
+          <a:p>
+            <a:r>
+              <a:rPr lang="en-US" dirty="0" err="1" smtClean="0"/>
+              <a:t>Jadwal</a:t>
+            </a:r>
+            <a:r>
+              <a:rPr lang="en-US" dirty="0" smtClean="0"/>
+              <a:t> </a:t>
+            </a:r>
+            <a:r>
+              <a:rPr lang="en-US" dirty="0" err="1" smtClean="0"/>
+              <a:t>penelitian</a:t>
+            </a:r>
+            <a:endParaRPr lang="en-US" dirty="0"/>
+          </a:p>
+        </p:txBody>
+      </p:sp>
+    </p:spTree>
+    <p:extLst>
+      <p:ext uri="{BB962C8B-B14F-4D97-AF65-F5344CB8AC3E}">
+        <p14:creationId xmlns:p14="http://schemas.microsoft.com/office/powerpoint/2010/main" val="1420994621"/>
+      </p:ext>
+    </p:extLst>
+  </p:cSld>
+  <p:clrMapOvr>
+    <a:masterClrMapping/>
+  </p:clrMapOvr>
+  <p:timing>
+    <p:tnLst>
+      <p:par>
+        <p:cTn xmlns:p14="http://schemas.microsoft.com/office/powerpoint/2010/main" id="1" dur="indefinite" restart="never" nodeType="tmRoot"/>
+      </p:par>
+    </p:tnLst>
+  </p:timing>
+</p:sld>
+</file>
+
+<file path=ppt/slides/slide11.xml><?xml version="1.0" encoding="utf-8"?>
+<p:sld xmlns:a="http://schemas.openxmlformats.org/drawingml/2006/main" xmlns:r="http://schemas.openxmlformats.org/officeDocument/2006/relationships" xmlns:p="http://schemas.openxmlformats.org/presentationml/2006/main">
+  <p:cSld>
+    <p:spTree>
+      <p:nvGrpSpPr>
+        <p:cNvPr id="1" name=""/>
+        <p:cNvGrpSpPr/>
+        <p:nvPr/>
+      </p:nvGrpSpPr>
+      <p:grpSpPr>
+        <a:xfrm>
+          <a:off x="0" y="0"/>
+          <a:ext cx="0" cy="0"/>
+          <a:chOff x="0" y="0"/>
+          <a:chExt cx="0" cy="0"/>
+        </a:xfrm>
+      </p:grpSpPr>
+      <p:sp>
+        <p:nvSpPr>
+          <p:cNvPr id="2" name="Title 1"/>
+          <p:cNvSpPr>
+            <a:spLocks noGrp="1"/>
+          </p:cNvSpPr>
+          <p:nvPr>
+            <p:ph type="title"/>
+          </p:nvPr>
+        </p:nvSpPr>
+        <p:spPr>
+          <a:xfrm>
+            <a:off x="549275" y="540405"/>
+            <a:ext cx="8042276" cy="865658"/>
+          </a:xfrm>
+        </p:spPr>
+        <p:txBody>
+          <a:bodyPr/>
+          <a:lstStyle/>
+          <a:p>
+            <a:r>
+              <a:rPr lang="en-US" dirty="0" smtClean="0"/>
+              <a:t>discussion</a:t>
+            </a:r>
+            <a:endParaRPr lang="en-US" dirty="0"/>
+          </a:p>
+        </p:txBody>
+      </p:sp>
+      <p:sp>
+        <p:nvSpPr>
+          <p:cNvPr id="3" name="Content Placeholder 2"/>
+          <p:cNvSpPr>
+            <a:spLocks noGrp="1"/>
+          </p:cNvSpPr>
+          <p:nvPr>
+            <p:ph idx="1"/>
+          </p:nvPr>
+        </p:nvSpPr>
+        <p:spPr>
+          <a:xfrm>
+            <a:off x="681229" y="1814504"/>
+            <a:ext cx="8042276" cy="3777467"/>
+          </a:xfrm>
+        </p:spPr>
+        <p:txBody>
+          <a:bodyPr/>
+          <a:lstStyle/>
+          <a:p>
+            <a:r>
+              <a:rPr lang="en-US" dirty="0" err="1" smtClean="0"/>
+              <a:t>Analisis</a:t>
+            </a:r>
+            <a:r>
+              <a:rPr lang="en-US" dirty="0" smtClean="0"/>
+              <a:t> </a:t>
+            </a:r>
+            <a:r>
+              <a:rPr lang="en-US" dirty="0" err="1" smtClean="0"/>
+              <a:t>Deskriptif</a:t>
+            </a:r>
+            <a:endParaRPr lang="en-US" dirty="0" smtClean="0"/>
+          </a:p>
+          <a:p>
+            <a:r>
+              <a:rPr lang="en-US" dirty="0" err="1" smtClean="0"/>
+              <a:t>Analisis</a:t>
+            </a:r>
+            <a:r>
+              <a:rPr lang="en-US" dirty="0" smtClean="0"/>
+              <a:t> Index Gain</a:t>
+            </a:r>
+          </a:p>
+          <a:p>
+            <a:r>
+              <a:rPr lang="en-US" dirty="0" err="1" smtClean="0"/>
+              <a:t>Analisis</a:t>
+            </a:r>
+            <a:r>
+              <a:rPr lang="en-US" dirty="0" smtClean="0"/>
+              <a:t> </a:t>
+            </a:r>
+            <a:r>
+              <a:rPr lang="en-US" dirty="0" err="1" smtClean="0"/>
+              <a:t>Statistik</a:t>
+            </a:r>
+            <a:r>
+              <a:rPr lang="en-US" dirty="0" smtClean="0"/>
+              <a:t> </a:t>
+            </a:r>
+            <a:r>
+              <a:rPr lang="en-US" dirty="0" err="1" smtClean="0"/>
+              <a:t>Inferensi</a:t>
+            </a:r>
+            <a:endParaRPr lang="en-US" dirty="0"/>
+          </a:p>
+        </p:txBody>
+      </p:sp>
+    </p:spTree>
+    <p:extLst>
+      <p:ext uri="{BB962C8B-B14F-4D97-AF65-F5344CB8AC3E}">
+        <p14:creationId xmlns:p14="http://schemas.microsoft.com/office/powerpoint/2010/main" val="1387042241"/>
+      </p:ext>
+    </p:extLst>
+  </p:cSld>
+  <p:clrMapOvr>
+    <a:masterClrMapping/>
+  </p:clrMapOvr>
+  <p:timing>
+    <p:tnLst>
+      <p:par>
+        <p:cTn xmlns:p14="http://schemas.microsoft.com/office/powerpoint/2010/main" id="1" dur="indefinite" restart="never" nodeType="tmRoot"/>
+      </p:par>
+    </p:tnLst>
+  </p:timing>
+</p:sld>
+</file>
+
+<file path=ppt/slides/slide12.xml><?xml version="1.0" encoding="utf-8"?>
+<p:sld xmlns:a="http://schemas.openxmlformats.org/drawingml/2006/main" xmlns:r="http://schemas.openxmlformats.org/officeDocument/2006/relationships" xmlns:p="http://schemas.openxmlformats.org/presentationml/2006/main">
+  <p:cSld>
+    <p:spTree>
+      <p:nvGrpSpPr>
+        <p:cNvPr id="1" name=""/>
+        <p:cNvGrpSpPr/>
+        <p:nvPr/>
+      </p:nvGrpSpPr>
+      <p:grpSpPr>
+        <a:xfrm>
+          <a:off x="0" y="0"/>
+          <a:ext cx="0" cy="0"/>
+          <a:chOff x="0" y="0"/>
+          <a:chExt cx="0" cy="0"/>
+        </a:xfrm>
+      </p:grpSpPr>
       <p:sp>
         <p:nvSpPr>
           <p:cNvPr id="2" name="Title 1"/>
@@ -4125,7 +4365,7 @@
 </p:sld>
 </file>
 
-<file path=ppt/slides/slide11.xml><?xml version="1.0" encoding="utf-8"?>
+<file path=ppt/slides/slide13.xml><?xml version="1.0" encoding="utf-8"?>
 <p:sld xmlns:a="http://schemas.openxmlformats.org/drawingml/2006/main" xmlns:r="http://schemas.openxmlformats.org/officeDocument/2006/relationships" xmlns:p="http://schemas.openxmlformats.org/presentationml/2006/main">
   <p:cSld>
     <p:spTree>
@@ -4186,12 +4426,12 @@
         <p:spPr>
           <a:xfrm>
             <a:off x="549275" y="1600201"/>
-            <a:ext cx="8042276" cy="3430923"/>
+            <a:ext cx="8042276" cy="4189716"/>
           </a:xfrm>
         </p:spPr>
         <p:txBody>
           <a:bodyPr>
-            <a:normAutofit/>
+            <a:normAutofit lnSpcReduction="10000"/>
           </a:bodyPr>
           <a:lstStyle/>
           <a:p>
@@ -4247,11 +4487,65 @@
             </a:r>
             <a:r>
               <a:rPr lang="en-US" dirty="0" smtClean="0"/>
-              <a:t> =&gt; Shapiro </a:t>
-            </a:r>
-            <a:r>
-              <a:rPr lang="en-US" dirty="0" err="1" smtClean="0"/>
-              <a:t>Wilk</a:t>
+              <a:t> =&gt; </a:t>
+            </a:r>
+            <a:r>
+              <a:rPr lang="en-US" dirty="0" smtClean="0"/>
+              <a:t>Shapiro, h0: normal, h1: </a:t>
+            </a:r>
+            <a:r>
+              <a:rPr lang="en-US" dirty="0" err="1" smtClean="0"/>
+              <a:t>tidak</a:t>
+            </a:r>
+            <a:r>
+              <a:rPr lang="en-US" dirty="0" smtClean="0"/>
+              <a:t> normal, p </a:t>
+            </a:r>
+            <a:r>
+              <a:rPr lang="en-US" dirty="0" smtClean="0"/>
+              <a:t>value all </a:t>
+            </a:r>
+            <a:r>
+              <a:rPr lang="en-US" dirty="0" smtClean="0"/>
+              <a:t>(ex:0,0003, con: 0,003)&lt; </a:t>
+            </a:r>
+            <a:r>
+              <a:rPr lang="en-US" dirty="0" smtClean="0"/>
+              <a:t>0,05</a:t>
+            </a:r>
+            <a:r>
+              <a:rPr lang="en-US" dirty="0" smtClean="0"/>
+              <a:t>.</a:t>
+            </a:r>
+            <a:br>
+              <a:rPr lang="en-US" dirty="0" smtClean="0"/>
+            </a:br>
+            <a:r>
+              <a:rPr lang="en-US" dirty="0" smtClean="0"/>
+              <a:t>h0 </a:t>
+            </a:r>
+            <a:r>
+              <a:rPr lang="en-US" dirty="0" err="1" smtClean="0"/>
+              <a:t>ditolak</a:t>
+            </a:r>
+            <a:r>
+              <a:rPr lang="en-US" dirty="0" smtClean="0"/>
+              <a:t>.</a:t>
+            </a:r>
+            <a:endParaRPr lang="en-US" dirty="0" smtClean="0"/>
+          </a:p>
+          <a:p>
+            <a:r>
+              <a:rPr lang="en-US" dirty="0" err="1" smtClean="0"/>
+              <a:t>Uji</a:t>
+            </a:r>
+            <a:r>
+              <a:rPr lang="en-US" dirty="0" smtClean="0"/>
+              <a:t> Non </a:t>
+            </a:r>
+            <a:r>
+              <a:rPr lang="en-US" dirty="0" err="1" smtClean="0"/>
+              <a:t>Parametrik</a:t>
             </a:r>
             <a:r>
               <a:rPr lang="en-US" dirty="0" smtClean="0"/>
@@ -4259,7 +4553,7 @@
             </a:r>
             <a:r>
               <a:rPr lang="en-US" dirty="0" err="1" smtClean="0"/>
-              <a:t>Tidak</a:t>
+              <a:t>Uji</a:t>
             </a:r>
             <a:r>
               <a:rPr lang="en-US" dirty="0" smtClean="0"/>
@@ -4267,33 +4561,7 @@
             </a:r>
             <a:r>
               <a:rPr lang="en-US" dirty="0" err="1" smtClean="0"/>
-              <a:t>Berdistribusi</a:t>
-            </a:r>
-            <a:r>
-              <a:rPr lang="en-US" dirty="0" smtClean="0"/>
-              <a:t> Normal), p value all &lt; 0,05.</a:t>
-            </a:r>
-          </a:p>
-          <a:p>
-            <a:r>
-              <a:rPr lang="en-US" dirty="0" err="1" smtClean="0"/>
-              <a:t>Uji</a:t>
-            </a:r>
-            <a:r>
-              <a:rPr lang="en-US" dirty="0" smtClean="0"/>
-              <a:t> Non </a:t>
-            </a:r>
-            <a:r>
-              <a:rPr lang="en-US" dirty="0" err="1" smtClean="0"/>
-              <a:t>Parametrik</a:t>
-            </a:r>
-            <a:r>
-              <a:rPr lang="en-US" dirty="0" smtClean="0"/>
-              <a:t> (</a:t>
-            </a:r>
-            <a:r>
-              <a:rPr lang="en-US" dirty="0" err="1" smtClean="0"/>
-              <a:t>Uji</a:t>
+              <a:t>kesamaan</a:t>
             </a:r>
             <a:r>
               <a:rPr lang="en-US" dirty="0" smtClean="0"/>
@@ -4301,7 +4569,27 @@
             </a:r>
             <a:r>
               <a:rPr lang="en-US" dirty="0" err="1" smtClean="0"/>
-              <a:t>kesamaan</a:t>
+              <a:t>dua</a:t>
+            </a:r>
+            <a:r>
+              <a:rPr lang="en-US" dirty="0" smtClean="0"/>
+              <a:t> rata-rata </a:t>
+            </a:r>
+            <a:r>
+              <a:rPr lang="en-US" dirty="0" err="1" smtClean="0"/>
+              <a:t>dengan</a:t>
+            </a:r>
+            <a:r>
+              <a:rPr lang="en-US" dirty="0" smtClean="0"/>
+              <a:t> Mann Whitney) =&gt; </a:t>
+            </a:r>
+            <a:r>
+              <a:rPr lang="en-US" dirty="0" smtClean="0"/>
+              <a:t>h0:tdk </a:t>
+            </a:r>
+            <a:r>
+              <a:rPr lang="en-US" dirty="0" err="1" smtClean="0"/>
+              <a:t>terdapat</a:t>
             </a:r>
             <a:r>
               <a:rPr lang="en-US" dirty="0" smtClean="0"/>
@@ -4309,19 +4597,31 @@
             </a:r>
             <a:r>
               <a:rPr lang="en-US" dirty="0" err="1" smtClean="0"/>
-              <a:t>dua</a:t>
-            </a:r>
-            <a:r>
-              <a:rPr lang="en-US" dirty="0" smtClean="0"/>
-              <a:t> rata-rata </a:t>
-            </a:r>
-            <a:r>
-              <a:rPr lang="en-US" dirty="0" err="1" smtClean="0"/>
-              <a:t>dengan</a:t>
-            </a:r>
-            <a:r>
-              <a:rPr lang="en-US" dirty="0" smtClean="0"/>
-              <a:t> Mann Whitney) =&gt; </a:t>
+              <a:t>perbedaan</a:t>
+            </a:r>
+            <a:r>
+              <a:rPr lang="en-US" dirty="0" smtClean="0"/>
+              <a:t>, h1: </a:t>
+            </a:r>
+            <a:r>
+              <a:rPr lang="en-US" dirty="0" err="1" smtClean="0"/>
+              <a:t>terdapat</a:t>
+            </a:r>
+            <a:r>
+              <a:rPr lang="en-US" dirty="0" smtClean="0"/>
+              <a:t> </a:t>
+            </a:r>
+            <a:r>
+              <a:rPr lang="en-US" dirty="0" err="1" smtClean="0"/>
+              <a:t>perbedaan</a:t>
+            </a:r>
+            <a:r>
+              <a:rPr lang="en-US" dirty="0" smtClean="0"/>
+              <a:t>.</a:t>
+            </a:r>
+            <a:r>
+              <a:rPr lang="en-US" dirty="0" smtClean="0"/>
+              <a:t> </a:t>
             </a:r>
             <a:r>
               <a:rPr lang="en-US" dirty="0" err="1" smtClean="0"/>
@@ -4345,8 +4645,21 @@
             </a:r>
             <a:r>
               <a:rPr lang="en-US" dirty="0" smtClean="0"/>
-              <a:t> rata-rata, p-value 0,749 &gt; 0,05.</a:t>
-            </a:r>
+              <a:t> rata-rata, p-value 0,749 &gt; 0,05</a:t>
+            </a:r>
+            <a:r>
+              <a:rPr lang="en-US" dirty="0" smtClean="0"/>
+              <a:t>. h0 </a:t>
+            </a:r>
+            <a:r>
+              <a:rPr lang="en-US" dirty="0" err="1" smtClean="0"/>
+              <a:t>diterima</a:t>
+            </a:r>
+            <a:r>
+              <a:rPr lang="en-US" dirty="0" smtClean="0"/>
+              <a:t>.</a:t>
+            </a:r>
+            <a:endParaRPr lang="en-US" dirty="0" smtClean="0"/>
           </a:p>
           <a:p>
             <a:pPr marL="0" indent="0">
@@ -4376,7 +4689,7 @@
 </p:sld>
 </file>
 
-<file path=ppt/slides/slide12.xml><?xml version="1.0" encoding="utf-8"?>
+<file path=ppt/slides/slide14.xml><?xml version="1.0" encoding="utf-8"?>
 <p:sld xmlns:a="http://schemas.openxmlformats.org/drawingml/2006/main" xmlns:r="http://schemas.openxmlformats.org/officeDocument/2006/relationships" xmlns:p="http://schemas.openxmlformats.org/presentationml/2006/main">
   <p:cSld>
     <p:spTree>
@@ -4475,29 +4788,88 @@
             </a:r>
             <a:r>
               <a:rPr lang="en-US" dirty="0" smtClean="0"/>
-              <a:t> =&gt; Shapiro </a:t>
-            </a:r>
-            <a:r>
-              <a:rPr lang="en-US" dirty="0" err="1" smtClean="0"/>
+              <a:t> =&gt; </a:t>
+            </a:r>
+            <a:r>
+              <a:rPr lang="en-US" dirty="0" smtClean="0"/>
+              <a:t>Shapiro </a:t>
+            </a:r>
+            <a:r>
+              <a:rPr lang="en-US" dirty="0" err="1"/>
               <a:t>Wilk</a:t>
             </a:r>
             <a:r>
-              <a:rPr lang="en-US" dirty="0" smtClean="0"/>
-              <a:t>, p-value all &lt; 0.05 : </a:t>
-            </a:r>
-            <a:r>
-              <a:rPr lang="en-US" dirty="0" err="1" smtClean="0"/>
-              <a:t>Tidak</a:t>
-            </a:r>
-            <a:r>
-              <a:rPr lang="en-US" dirty="0" smtClean="0"/>
-              <a:t> Normal</a:t>
-            </a:r>
-          </a:p>
-          <a:p>
-            <a:r>
-              <a:rPr lang="en-US" dirty="0" smtClean="0"/>
-              <a:t>Mann Whitney (</a:t>
+              <a:rPr lang="en-US" dirty="0"/>
+              <a:t> </a:t>
+            </a:r>
+            <a:r>
+              <a:rPr lang="en-US" dirty="0" smtClean="0"/>
+              <a:t>.h0</a:t>
+            </a:r>
+            <a:r>
+              <a:rPr lang="en-US" dirty="0"/>
+              <a:t>: normal, h1: </a:t>
+            </a:r>
+            <a:r>
+              <a:rPr lang="en-US" dirty="0" err="1"/>
+              <a:t>tidak</a:t>
+            </a:r>
+            <a:r>
+              <a:rPr lang="en-US" dirty="0"/>
+              <a:t> normal, p value all (ex</a:t>
+            </a:r>
+            <a:r>
+              <a:rPr lang="en-US" dirty="0" smtClean="0"/>
+              <a:t>:</a:t>
+            </a:r>
+            <a:r>
+              <a:rPr lang="en-US" dirty="0"/>
+              <a:t>0,0146 </a:t>
+            </a:r>
+            <a:r>
+              <a:rPr lang="en-US" dirty="0" smtClean="0"/>
+              <a:t>, </a:t>
+            </a:r>
+            <a:r>
+              <a:rPr lang="en-US" dirty="0"/>
+              <a:t>con: </a:t>
+            </a:r>
+            <a:r>
+              <a:rPr lang="en-US" dirty="0"/>
+              <a:t>0,0038 </a:t>
+            </a:r>
+            <a:r>
+              <a:rPr lang="en-US" dirty="0" smtClean="0"/>
+              <a:t>)</a:t>
+            </a:r>
+            <a:r>
+              <a:rPr lang="en-US" dirty="0"/>
+              <a:t>&lt; 0,05.</a:t>
+            </a:r>
+            <a:br>
+              <a:rPr lang="en-US" dirty="0"/>
+            </a:br>
+            <a:r>
+              <a:rPr lang="en-US" dirty="0"/>
+              <a:t>h0 </a:t>
+            </a:r>
+            <a:r>
+              <a:rPr lang="en-US" dirty="0" err="1"/>
+              <a:t>ditolak</a:t>
+            </a:r>
+            <a:r>
+              <a:rPr lang="en-US" dirty="0"/>
+              <a:t>.</a:t>
+            </a:r>
+          </a:p>
+          <a:p>
+            <a:r>
+              <a:rPr lang="en-US" dirty="0" smtClean="0"/>
+              <a:t>Mann </a:t>
+            </a:r>
+            <a:r>
+              <a:rPr lang="en-US" dirty="0" smtClean="0"/>
+              <a:t>Whitney (</a:t>
             </a:r>
             <a:r>
               <a:rPr lang="en-US" dirty="0" err="1" smtClean="0"/>
@@ -4505,51 +4877,87 @@
             </a:r>
             <a:r>
               <a:rPr lang="en-US" dirty="0" smtClean="0"/>
-              <a:t> Rata-rata), p-value &lt; 0.05. Ada </a:t>
-            </a:r>
-            <a:r>
-              <a:rPr lang="en-US" dirty="0" err="1" smtClean="0"/>
-              <a:t>Perbedaan</a:t>
-            </a:r>
-            <a:r>
-              <a:rPr lang="en-US" dirty="0" smtClean="0"/>
-              <a:t> Rata-Rata </a:t>
-            </a:r>
-            <a:r>
-              <a:rPr lang="en-US" dirty="0" err="1" smtClean="0"/>
-              <a:t>Postes</a:t>
-            </a:r>
-            <a:r>
-              <a:rPr lang="en-US" dirty="0" smtClean="0"/>
+              <a:t> Rata-rata), </a:t>
+            </a:r>
+            <a:r>
+              <a:rPr lang="en-US" dirty="0"/>
+              <a:t>h0:tdk </a:t>
+            </a:r>
+            <a:r>
+              <a:rPr lang="en-US" dirty="0" err="1"/>
+              <a:t>terdapat</a:t>
+            </a:r>
+            <a:r>
+              <a:rPr lang="en-US" dirty="0"/>
               <a:t> </a:t>
             </a:r>
             <a:r>
-              <a:rPr lang="en-US" dirty="0" err="1" smtClean="0"/>
-              <a:t>Kelas</a:t>
-            </a:r>
-            <a:r>
-              <a:rPr lang="en-US" dirty="0" smtClean="0"/>
+              <a:rPr lang="en-US" dirty="0" err="1"/>
+              <a:t>perbedaan</a:t>
+            </a:r>
+            <a:r>
+              <a:rPr lang="en-US" dirty="0"/>
+              <a:t>, h1: </a:t>
+            </a:r>
+            <a:r>
+              <a:rPr lang="en-US" dirty="0" err="1"/>
+              <a:t>terdapat</a:t>
+            </a:r>
+            <a:r>
+              <a:rPr lang="en-US" dirty="0"/>
               <a:t> </a:t>
             </a:r>
             <a:r>
-              <a:rPr lang="en-US" dirty="0" err="1" smtClean="0"/>
-              <a:t>Experimen</a:t>
-            </a:r>
-            <a:r>
-              <a:rPr lang="en-US" dirty="0" smtClean="0"/>
+              <a:rPr lang="en-US" dirty="0" err="1"/>
+              <a:t>perbedaan</a:t>
+            </a:r>
+            <a:r>
+              <a:rPr lang="en-US" dirty="0"/>
+              <a:t>. </a:t>
+            </a:r>
+            <a:r>
+              <a:rPr lang="en-US" dirty="0" err="1"/>
+              <a:t>tidak</a:t>
+            </a:r>
+            <a:r>
+              <a:rPr lang="en-US" dirty="0"/>
               <a:t> </a:t>
             </a:r>
             <a:r>
-              <a:rPr lang="en-US" dirty="0" err="1" smtClean="0"/>
-              <a:t>dan</a:t>
-            </a:r>
-            <a:r>
-              <a:rPr lang="en-US" dirty="0" smtClean="0"/>
+              <a:rPr lang="en-US" dirty="0" err="1"/>
+              <a:t>terdapat</a:t>
+            </a:r>
+            <a:r>
+              <a:rPr lang="en-US" dirty="0"/>
               <a:t> </a:t>
             </a:r>
             <a:r>
-              <a:rPr lang="en-US" dirty="0" err="1" smtClean="0"/>
-              <a:t>Kontrol</a:t>
+              <a:rPr lang="en-US" dirty="0" err="1"/>
+              <a:t>perbedaan</a:t>
+            </a:r>
+            <a:r>
+              <a:rPr lang="en-US" dirty="0"/>
+              <a:t> rata-rata, p-value </a:t>
+            </a:r>
+            <a:r>
+              <a:rPr lang="en-US" dirty="0" smtClean="0"/>
+              <a:t>:0,000 </a:t>
+            </a:r>
+            <a:r>
+              <a:rPr lang="en-US" dirty="0" smtClean="0"/>
+              <a:t>&lt; </a:t>
+            </a:r>
+            <a:r>
+              <a:rPr lang="en-US" dirty="0" smtClean="0"/>
+              <a:t>0.05. </a:t>
+            </a:r>
+            <a:r>
+              <a:rPr lang="en-US" dirty="0" smtClean="0"/>
+              <a:t>h0 </a:t>
+            </a:r>
+            <a:r>
+              <a:rPr lang="en-US" dirty="0" err="1" smtClean="0"/>
+              <a:t>ditolak</a:t>
             </a:r>
             <a:r>
               <a:rPr lang="en-US" dirty="0" smtClean="0"/>
@@ -4579,7 +4987,7 @@
 </p:sld>
 </file>
 
-<file path=ppt/slides/slide13.xml><?xml version="1.0" encoding="utf-8"?>
+<file path=ppt/slides/slide15.xml><?xml version="1.0" encoding="utf-8"?>
 <p:sld xmlns:a="http://schemas.openxmlformats.org/drawingml/2006/main" xmlns:r="http://schemas.openxmlformats.org/officeDocument/2006/relationships" xmlns:p="http://schemas.openxmlformats.org/presentationml/2006/main">
   <p:cSld>
     <p:spTree>
@@ -4731,7 +5139,7 @@
 </p:sld>
 </file>
 
-<file path=ppt/slides/slide14.xml><?xml version="1.0" encoding="utf-8"?>
+<file path=ppt/slides/slide16.xml><?xml version="1.0" encoding="utf-8"?>
 <p:sld xmlns:a="http://schemas.openxmlformats.org/drawingml/2006/main" xmlns:r="http://schemas.openxmlformats.org/officeDocument/2006/relationships" xmlns:p="http://schemas.openxmlformats.org/presentationml/2006/main">
   <p:cSld>
     <p:spTree>
@@ -4801,7 +5209,9 @@
           </a:xfrm>
         </p:spPr>
         <p:txBody>
-          <a:bodyPr/>
+          <a:bodyPr>
+            <a:normAutofit/>
+          </a:bodyPr>
           <a:lstStyle/>
           <a:p>
             <a:r>
@@ -4873,24 +5283,89 @@
             </a:r>
             <a:r>
               <a:rPr lang="en-US" dirty="0" smtClean="0"/>
-              <a:t> p-value &lt; 0.05. </a:t>
-            </a:r>
-            <a:r>
-              <a:rPr lang="en-US" dirty="0" err="1" smtClean="0"/>
-              <a:t>Tidak</a:t>
-            </a:r>
-            <a:r>
-              <a:rPr lang="en-US" dirty="0" smtClean="0"/>
               <a:t> </a:t>
             </a:r>
             <a:r>
-              <a:rPr lang="en-US" dirty="0" err="1" smtClean="0"/>
-              <a:t>Berdistribusi</a:t>
-            </a:r>
-            <a:r>
-              <a:rPr lang="en-US" dirty="0" smtClean="0"/>
-              <a:t> Normal</a:t>
-            </a:r>
+              <a:rPr lang="en-US" dirty="0"/>
+              <a:t>Shapiro </a:t>
+            </a:r>
+            <a:r>
+              <a:rPr lang="en-US" dirty="0" err="1" smtClean="0"/>
+              <a:t>Wilk</a:t>
+            </a:r>
+            <a:r>
+              <a:rPr lang="en-US" dirty="0" smtClean="0"/>
+              <a:t>, </a:t>
+            </a:r>
+            <a:r>
+              <a:rPr lang="en-US" dirty="0"/>
+              <a:t>h0: normal, h1: </a:t>
+            </a:r>
+            <a:r>
+              <a:rPr lang="en-US" dirty="0" err="1"/>
+              <a:t>tidak</a:t>
+            </a:r>
+            <a:r>
+              <a:rPr lang="en-US" dirty="0"/>
+              <a:t> normal, p value all </a:t>
+            </a:r>
+            <a:r>
+              <a:rPr lang="en-US" dirty="0" smtClean="0"/>
+              <a:t>(pre:</a:t>
+            </a:r>
+            <a:r>
+              <a:rPr lang="en-US" dirty="0"/>
+              <a:t>0,00038 </a:t>
+            </a:r>
+            <a:r>
+              <a:rPr lang="en-US" dirty="0" smtClean="0"/>
+              <a:t> </a:t>
+            </a:r>
+            <a:r>
+              <a:rPr lang="en-US" dirty="0"/>
+              <a:t>, </a:t>
+            </a:r>
+            <a:r>
+              <a:rPr lang="en-US" dirty="0" err="1" smtClean="0"/>
+              <a:t>pos</a:t>
+            </a:r>
+            <a:r>
+              <a:rPr lang="en-US" dirty="0" smtClean="0"/>
+              <a:t>: </a:t>
+            </a:r>
+            <a:r>
+              <a:rPr lang="en-US" dirty="0"/>
+              <a:t>0,0146 </a:t>
+            </a:r>
+            <a:r>
+              <a:rPr lang="en-US" dirty="0" smtClean="0"/>
+              <a:t> </a:t>
+            </a:r>
+            <a:r>
+              <a:rPr lang="en-US" dirty="0"/>
+              <a:t>)&lt; </a:t>
+            </a:r>
+            <a:r>
+              <a:rPr lang="en-US" dirty="0" smtClean="0"/>
+              <a:t>0.05. </a:t>
+            </a:r>
+            <a:r>
+              <a:rPr lang="en-US" dirty="0"/>
+              <a:t>h</a:t>
+            </a:r>
+            <a:r>
+              <a:rPr lang="en-US" dirty="0" smtClean="0"/>
+              <a:t>0 </a:t>
+            </a:r>
+            <a:r>
+              <a:rPr lang="en-US" dirty="0" err="1" smtClean="0"/>
+              <a:t>ditolak</a:t>
+            </a:r>
+            <a:r>
+              <a:rPr lang="en-US" dirty="0" smtClean="0"/>
+              <a:t>.</a:t>
+            </a:r>
+            <a:endParaRPr lang="en-US" dirty="0" smtClean="0"/>
           </a:p>
           <a:p>
             <a:r>
@@ -4907,145 +5382,13 @@
             </a:r>
             <a:r>
               <a:rPr lang="en-US" dirty="0" smtClean="0"/>
-              <a:t> (Spearman)</a:t>
-            </a:r>
-          </a:p>
-          <a:p>
-            <a:r>
-              <a:rPr lang="en-US" dirty="0" err="1" smtClean="0"/>
-              <a:t>Sebelumnya</a:t>
-            </a:r>
-            <a:r>
-              <a:rPr lang="en-US" dirty="0" smtClean="0"/>
-              <a:t> </a:t>
-            </a:r>
-            <a:r>
-              <a:rPr lang="en-US" dirty="0" err="1" smtClean="0"/>
-              <a:t>Uji</a:t>
-            </a:r>
-            <a:r>
-              <a:rPr lang="en-US" dirty="0" smtClean="0"/>
-              <a:t> </a:t>
-            </a:r>
-            <a:r>
-              <a:rPr lang="en-US" dirty="0" err="1" smtClean="0"/>
-              <a:t>Hipotesis</a:t>
-            </a:r>
-            <a:r>
-              <a:rPr lang="en-US" dirty="0" smtClean="0"/>
-              <a:t> </a:t>
-            </a:r>
-            <a:r>
-              <a:rPr lang="en-US" dirty="0" err="1" smtClean="0"/>
-              <a:t>Korelasi</a:t>
-            </a:r>
-            <a:r>
-              <a:rPr lang="en-US" dirty="0" smtClean="0"/>
-              <a:t>, p-value 0,00 &lt; 0.05=&gt; Ada </a:t>
-            </a:r>
-            <a:r>
-              <a:rPr lang="en-US" dirty="0" err="1" smtClean="0"/>
-              <a:t>Korelasi</a:t>
-            </a:r>
-            <a:r>
-              <a:rPr lang="en-US" dirty="0" smtClean="0"/>
-              <a:t>.</a:t>
-            </a:r>
-          </a:p>
-          <a:p>
-            <a:r>
-              <a:rPr lang="en-US" dirty="0" err="1" smtClean="0"/>
-              <a:t>Hitung</a:t>
-            </a:r>
-            <a:r>
-              <a:rPr lang="en-US" dirty="0" smtClean="0"/>
-              <a:t> </a:t>
-            </a:r>
-            <a:r>
-              <a:rPr lang="en-US" dirty="0" err="1" smtClean="0"/>
-              <a:t>Koefisien</a:t>
-            </a:r>
-            <a:r>
-              <a:rPr lang="en-US" dirty="0" smtClean="0"/>
-              <a:t> </a:t>
-            </a:r>
-            <a:r>
-              <a:rPr lang="en-US" dirty="0" err="1" smtClean="0"/>
-              <a:t>korelasi</a:t>
-            </a:r>
-            <a:r>
-              <a:rPr lang="en-US" dirty="0" smtClean="0"/>
-              <a:t> (r) </a:t>
-            </a:r>
-            <a:r>
-              <a:rPr lang="en-US" dirty="0" err="1" smtClean="0"/>
-              <a:t>dengan</a:t>
-            </a:r>
-            <a:r>
-              <a:rPr lang="en-US" dirty="0" smtClean="0"/>
-              <a:t> spearman 0,43</a:t>
-            </a:r>
-          </a:p>
-          <a:p>
-            <a:r>
-              <a:rPr lang="en-US" dirty="0" err="1" smtClean="0"/>
-              <a:t>Uji</a:t>
-            </a:r>
-            <a:r>
-              <a:rPr lang="en-US" dirty="0" smtClean="0"/>
-              <a:t> </a:t>
-            </a:r>
-            <a:r>
-              <a:rPr lang="en-US" dirty="0" err="1" smtClean="0"/>
-              <a:t>Signifikansi</a:t>
-            </a:r>
-            <a:r>
-              <a:rPr lang="en-US" dirty="0" smtClean="0"/>
-              <a:t> </a:t>
-            </a:r>
-            <a:r>
-              <a:rPr lang="en-US" dirty="0" err="1" smtClean="0"/>
-              <a:t>koefisien</a:t>
-            </a:r>
-            <a:r>
-              <a:rPr lang="en-US" dirty="0" smtClean="0"/>
-              <a:t> </a:t>
-            </a:r>
-            <a:r>
-              <a:rPr lang="en-US" dirty="0" err="1" smtClean="0"/>
-              <a:t>korelasi</a:t>
-            </a:r>
-            <a:r>
-              <a:rPr lang="en-US" dirty="0" smtClean="0"/>
-              <a:t>, p-value 0,02 &lt; 0.05 =&gt; </a:t>
-            </a:r>
-            <a:r>
-              <a:rPr lang="en-US" dirty="0" err="1" smtClean="0"/>
-              <a:t>signifikan</a:t>
-            </a:r>
-            <a:r>
-              <a:rPr lang="en-US" dirty="0" smtClean="0"/>
-              <a:t>.</a:t>
-            </a:r>
-          </a:p>
-          <a:p>
-            <a:r>
-              <a:rPr lang="en-US" dirty="0" err="1" smtClean="0"/>
-              <a:t>Determinasi</a:t>
-            </a:r>
-            <a:r>
-              <a:rPr lang="en-US" dirty="0" smtClean="0"/>
-              <a:t> r</a:t>
-            </a:r>
-            <a:r>
-              <a:rPr lang="en-US" baseline="30000" dirty="0" smtClean="0"/>
-              <a:t>2 </a:t>
-            </a:r>
-            <a:r>
-              <a:rPr lang="en-US" dirty="0" smtClean="0"/>
-              <a:t>= 0.1849 / 18.49 %</a:t>
-            </a:r>
-            <a:endParaRPr lang="en-US" dirty="0"/>
+              <a:t> (Spearman</a:t>
+            </a:r>
+            <a:r>
+              <a:rPr lang="en-US" dirty="0" smtClean="0"/>
+              <a:t>)</a:t>
+            </a:r>
+            <a:endParaRPr lang="en-US" dirty="0" smtClean="0"/>
           </a:p>
         </p:txBody>
       </p:sp>
@@ -5069,7 +5412,7 @@
 </p:sld>
 </file>
 
-<file path=ppt/slides/slide15.xml><?xml version="1.0" encoding="utf-8"?>
+<file path=ppt/slides/slide17.xml><?xml version="1.0" encoding="utf-8"?>
 <p:sld xmlns:a="http://schemas.openxmlformats.org/drawingml/2006/main" xmlns:r="http://schemas.openxmlformats.org/officeDocument/2006/relationships" xmlns:p="http://schemas.openxmlformats.org/presentationml/2006/main">
   <p:cSld>
     <p:spTree>
@@ -5096,6 +5439,333 @@
             <p:ph type="title"/>
           </p:nvPr>
         </p:nvSpPr>
+        <p:spPr/>
+        <p:txBody>
+          <a:bodyPr/>
+          <a:lstStyle/>
+          <a:p>
+            <a:r>
+              <a:rPr lang="en-US" dirty="0" smtClean="0"/>
+              <a:t>Conn..</a:t>
+            </a:r>
+            <a:endParaRPr lang="en-US" dirty="0"/>
+          </a:p>
+        </p:txBody>
+      </p:sp>
+      <p:sp>
+        <p:nvSpPr>
+          <p:cNvPr id="3" name="Content Placeholder 2"/>
+          <p:cNvSpPr>
+            <a:spLocks noGrp="1"/>
+          </p:cNvSpPr>
+          <p:nvPr>
+            <p:ph idx="1"/>
+          </p:nvPr>
+        </p:nvSpPr>
+        <p:spPr/>
+        <p:txBody>
+          <a:bodyPr>
+            <a:normAutofit lnSpcReduction="10000"/>
+          </a:bodyPr>
+          <a:lstStyle/>
+          <a:p>
+            <a:r>
+              <a:rPr lang="en-US" dirty="0" err="1"/>
+              <a:t>Sebelumnya</a:t>
+            </a:r>
+            <a:r>
+              <a:rPr lang="en-US" dirty="0"/>
+              <a:t> </a:t>
+            </a:r>
+            <a:r>
+              <a:rPr lang="en-US" dirty="0" err="1"/>
+              <a:t>Uji</a:t>
+            </a:r>
+            <a:r>
+              <a:rPr lang="en-US" dirty="0"/>
+              <a:t> </a:t>
+            </a:r>
+            <a:r>
+              <a:rPr lang="en-US" dirty="0" err="1"/>
+              <a:t>Hipotesis</a:t>
+            </a:r>
+            <a:r>
+              <a:rPr lang="en-US" dirty="0"/>
+              <a:t> </a:t>
+            </a:r>
+            <a:r>
+              <a:rPr lang="en-US" dirty="0" err="1" smtClean="0"/>
+              <a:t>Korelasi</a:t>
+            </a:r>
+            <a:r>
+              <a:rPr lang="en-US" dirty="0" smtClean="0"/>
+              <a:t> </a:t>
+            </a:r>
+            <a:r>
+              <a:rPr lang="en-US" dirty="0" err="1" smtClean="0"/>
+              <a:t>dengan</a:t>
+            </a:r>
+            <a:r>
+              <a:rPr lang="en-US" dirty="0" smtClean="0"/>
+              <a:t> Wilcoxon Paired Sample (</a:t>
+            </a:r>
+            <a:r>
+              <a:rPr lang="en-US" dirty="0" err="1" smtClean="0"/>
+              <a:t>dua</a:t>
+            </a:r>
+            <a:r>
+              <a:rPr lang="en-US" dirty="0" smtClean="0"/>
+              <a:t> sample </a:t>
+            </a:r>
+            <a:r>
+              <a:rPr lang="en-US" dirty="0" err="1" smtClean="0"/>
+              <a:t>berhunungan</a:t>
+            </a:r>
+            <a:r>
+              <a:rPr lang="en-US" dirty="0" smtClean="0"/>
+              <a:t>), h0:No </a:t>
+            </a:r>
+            <a:r>
+              <a:rPr lang="en-US" dirty="0" err="1" smtClean="0"/>
+              <a:t>korelasi</a:t>
+            </a:r>
+            <a:r>
+              <a:rPr lang="en-US" dirty="0" smtClean="0"/>
+              <a:t>, h1: Ada </a:t>
+            </a:r>
+            <a:r>
+              <a:rPr lang="en-US" dirty="0" err="1" smtClean="0"/>
+              <a:t>Korelasi</a:t>
+            </a:r>
+            <a:r>
+              <a:rPr lang="en-US" dirty="0" smtClean="0"/>
+              <a:t>, </a:t>
+            </a:r>
+            <a:r>
+              <a:rPr lang="en-US" dirty="0"/>
+              <a:t>p-value </a:t>
+            </a:r>
+            <a:r>
+              <a:rPr lang="en-US" dirty="0" smtClean="0"/>
+              <a:t>:0,00 </a:t>
+            </a:r>
+            <a:r>
+              <a:rPr lang="en-US" dirty="0"/>
+              <a:t>&lt; </a:t>
+            </a:r>
+            <a:r>
+              <a:rPr lang="en-US" dirty="0" smtClean="0"/>
+              <a:t>0.05. H0 </a:t>
+            </a:r>
+            <a:r>
+              <a:rPr lang="en-US" dirty="0" err="1" smtClean="0"/>
+              <a:t>ditolak</a:t>
+            </a:r>
+            <a:r>
+              <a:rPr lang="en-US" dirty="0" smtClean="0"/>
+              <a:t>.</a:t>
+            </a:r>
+            <a:endParaRPr lang="en-US" dirty="0"/>
+          </a:p>
+          <a:p>
+            <a:r>
+              <a:rPr lang="en-US" dirty="0" err="1"/>
+              <a:t>Hitung</a:t>
+            </a:r>
+            <a:r>
+              <a:rPr lang="en-US" dirty="0"/>
+              <a:t> </a:t>
+            </a:r>
+            <a:r>
+              <a:rPr lang="en-US" dirty="0" err="1"/>
+              <a:t>Koefisien</a:t>
+            </a:r>
+            <a:r>
+              <a:rPr lang="en-US" dirty="0"/>
+              <a:t> </a:t>
+            </a:r>
+            <a:r>
+              <a:rPr lang="en-US" dirty="0" err="1"/>
+              <a:t>korelasi</a:t>
+            </a:r>
+            <a:r>
+              <a:rPr lang="en-US" dirty="0"/>
+              <a:t> (r) </a:t>
+            </a:r>
+            <a:r>
+              <a:rPr lang="en-US" dirty="0" err="1"/>
+              <a:t>dengan</a:t>
+            </a:r>
+            <a:r>
+              <a:rPr lang="en-US" dirty="0"/>
+              <a:t> </a:t>
+            </a:r>
+            <a:r>
+              <a:rPr lang="en-US" dirty="0" smtClean="0"/>
+              <a:t>spearman : </a:t>
+            </a:r>
+            <a:r>
+              <a:rPr lang="en-US" dirty="0"/>
+              <a:t>0,43</a:t>
+            </a:r>
+          </a:p>
+          <a:p>
+            <a:r>
+              <a:rPr lang="en-US" dirty="0" err="1"/>
+              <a:t>Uji</a:t>
+            </a:r>
+            <a:r>
+              <a:rPr lang="en-US" dirty="0"/>
+              <a:t> </a:t>
+            </a:r>
+            <a:r>
+              <a:rPr lang="en-US" dirty="0" err="1"/>
+              <a:t>Signifikansi</a:t>
+            </a:r>
+            <a:r>
+              <a:rPr lang="en-US" dirty="0"/>
+              <a:t> </a:t>
+            </a:r>
+            <a:r>
+              <a:rPr lang="en-US" dirty="0" err="1"/>
+              <a:t>koefisien</a:t>
+            </a:r>
+            <a:r>
+              <a:rPr lang="en-US" dirty="0"/>
+              <a:t> </a:t>
+            </a:r>
+            <a:r>
+              <a:rPr lang="en-US" dirty="0" err="1" smtClean="0"/>
+              <a:t>korelasi</a:t>
+            </a:r>
+            <a:r>
+              <a:rPr lang="en-US" dirty="0" smtClean="0"/>
+              <a:t>. H0 </a:t>
+            </a:r>
+            <a:r>
+              <a:rPr lang="en-US" dirty="0" err="1" smtClean="0"/>
+              <a:t>kontribusi</a:t>
+            </a:r>
+            <a:r>
+              <a:rPr lang="en-US" dirty="0" smtClean="0"/>
+              <a:t> </a:t>
+            </a:r>
+            <a:r>
+              <a:rPr lang="en-US" dirty="0" err="1" smtClean="0"/>
+              <a:t>tidak</a:t>
+            </a:r>
+            <a:r>
+              <a:rPr lang="en-US" dirty="0" smtClean="0"/>
+              <a:t> </a:t>
+            </a:r>
+            <a:r>
+              <a:rPr lang="en-US" dirty="0" err="1" smtClean="0"/>
+              <a:t>signifikan</a:t>
+            </a:r>
+            <a:r>
+              <a:rPr lang="en-US" dirty="0" smtClean="0"/>
+              <a:t>, h1: </a:t>
+            </a:r>
+            <a:r>
+              <a:rPr lang="en-US" dirty="0" err="1" smtClean="0"/>
+              <a:t>kontribusi</a:t>
+            </a:r>
+            <a:r>
+              <a:rPr lang="en-US" dirty="0" smtClean="0"/>
+              <a:t> </a:t>
+            </a:r>
+            <a:r>
+              <a:rPr lang="en-US" dirty="0" err="1" smtClean="0"/>
+              <a:t>signifikan</a:t>
+            </a:r>
+            <a:r>
+              <a:rPr lang="en-US" dirty="0" smtClean="0"/>
+              <a:t>, </a:t>
+            </a:r>
+            <a:r>
+              <a:rPr lang="en-US" dirty="0"/>
+              <a:t>p-value 0,02 &lt; </a:t>
+            </a:r>
+            <a:r>
+              <a:rPr lang="en-US" dirty="0" smtClean="0"/>
+              <a:t>0.05. h0 </a:t>
+            </a:r>
+            <a:r>
+              <a:rPr lang="en-US" dirty="0" err="1" smtClean="0"/>
+              <a:t>ditolak</a:t>
+            </a:r>
+            <a:r>
+              <a:rPr lang="en-US" smtClean="0"/>
+              <a:t>.</a:t>
+            </a:r>
+          </a:p>
+          <a:p>
+            <a:r>
+              <a:rPr lang="en-US" dirty="0" err="1" smtClean="0"/>
+              <a:t>Determinasi</a:t>
+            </a:r>
+            <a:r>
+              <a:rPr lang="en-US" dirty="0" smtClean="0"/>
+              <a:t> </a:t>
+            </a:r>
+            <a:r>
+              <a:rPr lang="en-US" dirty="0"/>
+              <a:t>r</a:t>
+            </a:r>
+            <a:r>
+              <a:rPr lang="en-US" baseline="30000" dirty="0"/>
+              <a:t>2 </a:t>
+            </a:r>
+            <a:r>
+              <a:rPr lang="en-US" dirty="0"/>
+              <a:t>= 0.1849 / 18.49 %</a:t>
+            </a:r>
+          </a:p>
+          <a:p>
+            <a:endParaRPr lang="en-US" dirty="0"/>
+          </a:p>
+        </p:txBody>
+      </p:sp>
+    </p:spTree>
+    <p:extLst>
+      <p:ext uri="{BB962C8B-B14F-4D97-AF65-F5344CB8AC3E}">
+        <p14:creationId xmlns:p14="http://schemas.microsoft.com/office/powerpoint/2010/main" val="138047456"/>
+      </p:ext>
+    </p:extLst>
+  </p:cSld>
+  <p:clrMapOvr>
+    <a:masterClrMapping/>
+  </p:clrMapOvr>
+</p:sld>
+</file>
+
+<file path=ppt/slides/slide18.xml><?xml version="1.0" encoding="utf-8"?>
+<p:sld xmlns:a="http://schemas.openxmlformats.org/drawingml/2006/main" xmlns:r="http://schemas.openxmlformats.org/officeDocument/2006/relationships" xmlns:p="http://schemas.openxmlformats.org/presentationml/2006/main">
+  <p:cSld>
+    <p:spTree>
+      <p:nvGrpSpPr>
+        <p:cNvPr id="1" name=""/>
+        <p:cNvGrpSpPr/>
+        <p:nvPr/>
+      </p:nvGrpSpPr>
+      <p:grpSpPr>
+        <a:xfrm>
+          <a:off x="0" y="0"/>
+          <a:ext cx="0" cy="0"/>
+          <a:chOff x="0" y="0"/>
+          <a:chExt cx="0" cy="0"/>
+        </a:xfrm>
+      </p:grpSpPr>
+      <p:sp>
+        <p:nvSpPr>
+          <p:cNvPr id="2" name="Title 1"/>
+          <p:cNvSpPr>
+            <a:spLocks noGrp="1"/>
+          </p:cNvSpPr>
+          <p:nvPr>
+            <p:ph type="title"/>
+          </p:nvPr>
+        </p:nvSpPr>
         <p:spPr>
           <a:xfrm>
             <a:off x="664735" y="2028945"/>
@@ -5154,6 +5824,125 @@
 </file>
 
 <file path=ppt/slides/slide2.xml><?xml version="1.0" encoding="utf-8"?>
+<p:sld xmlns:a="http://schemas.openxmlformats.org/drawingml/2006/main" xmlns:r="http://schemas.openxmlformats.org/officeDocument/2006/relationships" xmlns:p="http://schemas.openxmlformats.org/presentationml/2006/main">
+  <p:cSld>
+    <p:spTree>
+      <p:nvGrpSpPr>
+        <p:cNvPr id="1" name=""/>
+        <p:cNvGrpSpPr/>
+        <p:nvPr/>
+      </p:nvGrpSpPr>
+      <p:grpSpPr>
+        <a:xfrm>
+          <a:off x="0" y="0"/>
+          <a:ext cx="0" cy="0"/>
+          <a:chOff x="0" y="0"/>
+          <a:chExt cx="0" cy="0"/>
+        </a:xfrm>
+      </p:grpSpPr>
+      <p:sp>
+        <p:nvSpPr>
+          <p:cNvPr id="2" name="Title 1"/>
+          <p:cNvSpPr>
+            <a:spLocks noGrp="1"/>
+          </p:cNvSpPr>
+          <p:nvPr>
+            <p:ph type="title"/>
+          </p:nvPr>
+        </p:nvSpPr>
+        <p:spPr>
+          <a:xfrm>
+            <a:off x="549275" y="2532413"/>
+            <a:ext cx="8042276" cy="1336956"/>
+          </a:xfrm>
+        </p:spPr>
+        <p:txBody>
+          <a:bodyPr/>
+          <a:lstStyle/>
+          <a:p>
+            <a:r>
+              <a:rPr lang="en-US" dirty="0" err="1" smtClean="0"/>
+              <a:t>Masalah</a:t>
+            </a:r>
+            <a:r>
+              <a:rPr lang="en-US" dirty="0" smtClean="0"/>
+              <a:t> </a:t>
+            </a:r>
+            <a:r>
+              <a:rPr lang="en-US" dirty="0" err="1" smtClean="0"/>
+              <a:t>asistensi</a:t>
+            </a:r>
+            <a:endParaRPr lang="en-US" dirty="0"/>
+          </a:p>
+        </p:txBody>
+      </p:sp>
+      <p:sp>
+        <p:nvSpPr>
+          <p:cNvPr id="4" name="Title 1"/>
+          <p:cNvSpPr txBox="1">
+            <a:spLocks/>
+          </p:cNvSpPr>
+          <p:nvPr/>
+        </p:nvSpPr>
+        <p:spPr>
+          <a:xfrm>
+            <a:off x="549275" y="107576"/>
+            <a:ext cx="8042276" cy="799676"/>
+          </a:xfrm>
+          <a:prstGeom prst="rect">
+            <a:avLst/>
+          </a:prstGeom>
+        </p:spPr>
+        <p:txBody>
+          <a:bodyPr vert="horz" lIns="91440" tIns="45720" rIns="91440" bIns="45720" rtlCol="0" anchor="b" anchorCtr="0">
+            <a:noAutofit/>
+          </a:bodyPr>
+          <a:lstStyle>
+            <a:lvl1pPr algn="ctr" defTabSz="914400" rtl="0" eaLnBrk="1" latinLnBrk="0" hangingPunct="1">
+              <a:spcBef>
+                <a:spcPct val="0"/>
+              </a:spcBef>
+              <a:buNone/>
+              <a:defRPr sz="4600" kern="1200">
+                <a:solidFill>
+                  <a:schemeClr val="accent1"/>
+                </a:solidFill>
+                <a:latin typeface="+mj-lt"/>
+                <a:ea typeface="+mj-ea"/>
+                <a:cs typeface="+mj-cs"/>
+              </a:defRPr>
+            </a:lvl1pPr>
+          </a:lstStyle>
+          <a:p>
+            <a:r>
+              <a:rPr lang="en-US" smtClean="0"/>
+              <a:t>Introduction</a:t>
+            </a:r>
+            <a:endParaRPr lang="en-US" dirty="0"/>
+          </a:p>
+        </p:txBody>
+      </p:sp>
+    </p:spTree>
+    <p:extLst>
+      <p:ext uri="{BB962C8B-B14F-4D97-AF65-F5344CB8AC3E}">
+        <p14:creationId xmlns:p14="http://schemas.microsoft.com/office/powerpoint/2010/main" val="74542927"/>
+      </p:ext>
+    </p:extLst>
+  </p:cSld>
+  <p:clrMapOvr>
+    <a:masterClrMapping/>
+  </p:clrMapOvr>
+  <p:timing>
+    <p:tnLst>
+      <p:par>
+        <p:cTn xmlns:p14="http://schemas.microsoft.com/office/powerpoint/2010/main" id="1" dur="indefinite" restart="never" nodeType="tmRoot"/>
+      </p:par>
+    </p:tnLst>
+  </p:timing>
+</p:sld>
+</file>
+
+<file path=ppt/slides/slide3.xml><?xml version="1.0" encoding="utf-8"?>
 <p:sld xmlns:a="http://schemas.openxmlformats.org/drawingml/2006/main" xmlns:r="http://schemas.openxmlformats.org/officeDocument/2006/relationships" xmlns:p="http://schemas.openxmlformats.org/presentationml/2006/main">
   <p:cSld>
     <p:spTree>
@@ -5412,122 +6201,6 @@
 </p:sld>
 </file>
 
-<file path=ppt/slides/slide3.xml><?xml version="1.0" encoding="utf-8"?>
-<p:sld xmlns:a="http://schemas.openxmlformats.org/drawingml/2006/main" xmlns:r="http://schemas.openxmlformats.org/officeDocument/2006/relationships" xmlns:p="http://schemas.openxmlformats.org/presentationml/2006/main">
-  <p:cSld>
-    <p:spTree>
-      <p:nvGrpSpPr>
-        <p:cNvPr id="1" name=""/>
-        <p:cNvGrpSpPr/>
-        <p:nvPr/>
-      </p:nvGrpSpPr>
-      <p:grpSpPr>
-        <a:xfrm>
-          <a:off x="0" y="0"/>
-          <a:ext cx="0" cy="0"/>
-          <a:chOff x="0" y="0"/>
-          <a:chExt cx="0" cy="0"/>
-        </a:xfrm>
-      </p:grpSpPr>
-      <p:sp>
-        <p:nvSpPr>
-          <p:cNvPr id="2" name="Title 1"/>
-          <p:cNvSpPr>
-            <a:spLocks noGrp="1"/>
-          </p:cNvSpPr>
-          <p:nvPr>
-            <p:ph type="title"/>
-          </p:nvPr>
-        </p:nvSpPr>
-        <p:spPr/>
-        <p:txBody>
-          <a:bodyPr/>
-          <a:lstStyle/>
-          <a:p>
-            <a:r>
-              <a:rPr lang="en-US" dirty="0" smtClean="0"/>
-              <a:t>goal</a:t>
-            </a:r>
-            <a:endParaRPr lang="en-US" dirty="0"/>
-          </a:p>
-        </p:txBody>
-      </p:sp>
-      <p:sp>
-        <p:nvSpPr>
-          <p:cNvPr id="3" name="Content Placeholder 2"/>
-          <p:cNvSpPr>
-            <a:spLocks noGrp="1"/>
-          </p:cNvSpPr>
-          <p:nvPr>
-            <p:ph idx="1"/>
-          </p:nvPr>
-        </p:nvSpPr>
-        <p:spPr>
-          <a:xfrm>
-            <a:off x="549275" y="2936197"/>
-            <a:ext cx="8042276" cy="3007404"/>
-          </a:xfrm>
-        </p:spPr>
-        <p:txBody>
-          <a:bodyPr/>
-          <a:lstStyle/>
-          <a:p>
-            <a:pPr marL="0" indent="0" algn="ctr">
-              <a:buNone/>
-            </a:pPr>
-            <a:r>
-              <a:rPr lang="en-US" dirty="0" err="1"/>
-              <a:t>indoblockly</a:t>
-            </a:r>
-            <a:r>
-              <a:rPr lang="en-US" dirty="0"/>
-              <a:t> </a:t>
-            </a:r>
-            <a:r>
-              <a:rPr lang="en-US" dirty="0" smtClean="0"/>
-              <a:t>can improve </a:t>
-            </a:r>
-            <a:r>
-              <a:rPr lang="en-US" dirty="0"/>
-              <a:t>learning </a:t>
-            </a:r>
-            <a:r>
-              <a:rPr lang="en-US" dirty="0" smtClean="0"/>
-              <a:t>outcomes ?</a:t>
-            </a:r>
-          </a:p>
-          <a:p>
-            <a:pPr marL="0" indent="0" algn="ctr">
-              <a:buNone/>
-            </a:pPr>
-            <a:r>
-              <a:rPr lang="en-US" dirty="0" smtClean="0"/>
-              <a:t>TRUE || FALSE</a:t>
-            </a:r>
-            <a:endParaRPr lang="en-US" dirty="0"/>
-          </a:p>
-        </p:txBody>
-      </p:sp>
-    </p:spTree>
-    <p:extLst>
-      <p:ext uri="{BB962C8B-B14F-4D97-AF65-F5344CB8AC3E}">
-        <p14:creationId xmlns:p14="http://schemas.microsoft.com/office/powerpoint/2010/main" val="2415034793"/>
-      </p:ext>
-    </p:extLst>
-  </p:cSld>
-  <p:clrMapOvr>
-    <a:masterClrMapping/>
-  </p:clrMapOvr>
-  <p:timing>
-    <p:tnLst>
-      <p:par>
-        <p:cTn xmlns:p14="http://schemas.microsoft.com/office/powerpoint/2010/main" id="1" dur="indefinite" restart="never" nodeType="tmRoot"/>
-      </p:par>
-    </p:tnLst>
-  </p:timing>
-</p:sld>
-</file>
-
 <file path=ppt/slides/slide4.xml><?xml version="1.0" encoding="utf-8"?>
 <p:sld xmlns:a="http://schemas.openxmlformats.org/drawingml/2006/main" xmlns:r="http://schemas.openxmlformats.org/officeDocument/2006/relationships" xmlns:p="http://schemas.openxmlformats.org/presentationml/2006/main">
   <p:cSld>
@@ -5562,7 +6235,7 @@
           <a:p>
             <a:r>
               <a:rPr lang="en-US" dirty="0" smtClean="0"/>
-              <a:t>benefit</a:t>
+              <a:t>goal</a:t>
             </a:r>
             <a:endParaRPr lang="en-US" dirty="0"/>
           </a:p>
@@ -5578,51 +6251,48 @@
             <p:ph idx="1"/>
           </p:nvPr>
         </p:nvSpPr>
-        <p:spPr/>
+        <p:spPr>
+          <a:xfrm>
+            <a:off x="549275" y="2936197"/>
+            <a:ext cx="8042276" cy="3007404"/>
+          </a:xfrm>
+        </p:spPr>
         <p:txBody>
           <a:bodyPr/>
           <a:lstStyle/>
           <a:p>
-            <a:r>
-              <a:rPr lang="en-US" dirty="0" smtClean="0"/>
-              <a:t>For </a:t>
-            </a:r>
-            <a:r>
-              <a:rPr lang="en-US" dirty="0" err="1" smtClean="0"/>
-              <a:t>IndoBlockly</a:t>
-            </a:r>
-            <a:r>
-              <a:rPr lang="en-US" dirty="0" smtClean="0"/>
-              <a:t> developers?</a:t>
-            </a:r>
-          </a:p>
-          <a:p>
-            <a:r>
-              <a:rPr lang="en-US" dirty="0" smtClean="0"/>
-              <a:t>For </a:t>
-            </a:r>
-            <a:r>
-              <a:rPr lang="en-US" dirty="0" err="1" smtClean="0"/>
-              <a:t>Reseacher</a:t>
-            </a:r>
-            <a:r>
-              <a:rPr lang="en-US" dirty="0" smtClean="0"/>
-              <a:t> (me) ?</a:t>
-            </a:r>
-          </a:p>
-          <a:p>
-            <a:r>
-              <a:rPr lang="en-US" dirty="0" smtClean="0"/>
-              <a:t>For User (student and everyone) ?</a:t>
-            </a:r>
-          </a:p>
-          <a:p>
-            <a:r>
-              <a:rPr lang="en-US" dirty="0" smtClean="0"/>
-              <a:t>For next research ?</a:t>
-            </a:r>
-          </a:p>
-          <a:p>
+            <a:pPr marL="0" indent="0" algn="ctr">
+              <a:buNone/>
+            </a:pPr>
+            <a:r>
+              <a:rPr lang="en-US" dirty="0" err="1"/>
+              <a:t>indoblockly</a:t>
+            </a:r>
+            <a:r>
+              <a:rPr lang="en-US" dirty="0"/>
+              <a:t> </a:t>
+            </a:r>
+            <a:r>
+              <a:rPr lang="en-US" dirty="0" smtClean="0"/>
+              <a:t>can improve </a:t>
+            </a:r>
+            <a:r>
+              <a:rPr lang="en-US" dirty="0"/>
+              <a:t>learning </a:t>
+            </a:r>
+            <a:r>
+              <a:rPr lang="en-US" dirty="0" smtClean="0"/>
+              <a:t>outcomes ?</a:t>
+            </a:r>
+          </a:p>
+          <a:p>
+            <a:pPr marL="0" indent="0" algn="ctr">
+              <a:buNone/>
+            </a:pPr>
+            <a:r>
+              <a:rPr lang="en-US" dirty="0" smtClean="0"/>
+              <a:t>TRUE || FALSE</a:t>
+            </a:r>
             <a:endParaRPr lang="en-US" dirty="0"/>
           </a:p>
         </p:txBody>
@@ -5630,7 +6300,7 @@
     </p:spTree>
     <p:extLst>
       <p:ext uri="{BB962C8B-B14F-4D97-AF65-F5344CB8AC3E}">
-        <p14:creationId xmlns:p14="http://schemas.microsoft.com/office/powerpoint/2010/main" val="312668226"/>
+        <p14:creationId xmlns:p14="http://schemas.microsoft.com/office/powerpoint/2010/main" val="2415034793"/>
       </p:ext>
     </p:extLst>
   </p:cSld>
@@ -5674,19 +6344,14 @@
             <p:ph type="title"/>
           </p:nvPr>
         </p:nvSpPr>
-        <p:spPr>
-          <a:xfrm>
-            <a:off x="549275" y="44774"/>
-            <a:ext cx="8042276" cy="933172"/>
-          </a:xfrm>
-        </p:spPr>
+        <p:spPr/>
         <p:txBody>
           <a:bodyPr/>
           <a:lstStyle/>
           <a:p>
             <a:r>
               <a:rPr lang="en-US" dirty="0" smtClean="0"/>
-              <a:t>references()</a:t>
+              <a:t>benefit</a:t>
             </a:r>
             <a:endParaRPr lang="en-US" dirty="0"/>
           </a:p>
@@ -5702,82 +6367,49 @@
             <p:ph idx="1"/>
           </p:nvPr>
         </p:nvSpPr>
-        <p:spPr>
-          <a:xfrm>
-            <a:off x="230920" y="1303281"/>
-            <a:ext cx="8758445" cy="5261923"/>
-          </a:xfrm>
-        </p:spPr>
+        <p:spPr/>
         <p:txBody>
           <a:bodyPr/>
           <a:lstStyle/>
           <a:p>
             <a:r>
               <a:rPr lang="en-US" dirty="0" smtClean="0"/>
-              <a:t>Robins,2003 : two factor =&gt; from himself, from teaching strategies.</a:t>
-            </a:r>
-          </a:p>
-          <a:p>
-            <a:r>
-              <a:rPr lang="en-US" dirty="0" smtClean="0"/>
-              <a:t>Lahtinen</a:t>
-            </a:r>
-            <a:r>
-              <a:rPr lang="en-US" dirty="0"/>
-              <a:t>,2005 : types of programming </a:t>
-            </a:r>
-            <a:r>
-              <a:rPr lang="en-US" dirty="0" smtClean="0"/>
-              <a:t>languages =&gt; important factor for novice programmer.</a:t>
-            </a:r>
-          </a:p>
-          <a:p>
-            <a:r>
-              <a:rPr lang="hu-HU" dirty="0"/>
-              <a:t>Kelleher dan Pausch,</a:t>
-            </a:r>
-            <a:r>
-              <a:rPr lang="hu-HU" dirty="0" smtClean="0"/>
-              <a:t>2003 : programming environment taxonomy =&gt; highest taxonomy is teaching system. Technical and social problems about novice programmer.</a:t>
-            </a:r>
-          </a:p>
-          <a:p>
-            <a:r>
-              <a:rPr lang="en-US" dirty="0" smtClean="0"/>
-              <a:t>Scratch paper by Maloney, 2008 : scratch club house </a:t>
-            </a:r>
-            <a:r>
-              <a:rPr lang="en-US" dirty="0" smtClean="0">
-                <a:sym typeface="Wingdings"/>
-              </a:rPr>
-              <a:t> </a:t>
-            </a:r>
-            <a:r>
-              <a:rPr lang="cs-CZ" dirty="0" err="1" smtClean="0"/>
-              <a:t>scratch.mit.edu</a:t>
-            </a:r>
-            <a:r>
-              <a:rPr lang="cs-CZ" dirty="0" smtClean="0"/>
-              <a:t> , full support by </a:t>
-            </a:r>
-            <a:r>
-              <a:rPr lang="en-US" dirty="0">
-                <a:hlinkClick r:id="rId2"/>
-              </a:rPr>
-              <a:t>Massachusetts Institute of Technology</a:t>
-            </a:r>
-            <a:endParaRPr lang="en-US" dirty="0" smtClean="0">
-              <a:sym typeface="Wingdings"/>
-            </a:endParaRPr>
-          </a:p>
-          <a:p>
-            <a:endParaRPr lang="en-US" dirty="0" smtClean="0"/>
-          </a:p>
-          <a:p>
-            <a:pPr marL="0" indent="0">
-              <a:buNone/>
-            </a:pPr>
-            <a:endParaRPr lang="en-US" dirty="0"/>
+              <a:t>For </a:t>
+            </a:r>
+            <a:r>
+              <a:rPr lang="en-US" dirty="0" err="1" smtClean="0"/>
+              <a:t>IndoBlockly</a:t>
+            </a:r>
+            <a:r>
+              <a:rPr lang="en-US" dirty="0" smtClean="0"/>
+              <a:t> developers?</a:t>
+            </a:r>
+          </a:p>
+          <a:p>
+            <a:r>
+              <a:rPr lang="en-US" dirty="0" smtClean="0"/>
+              <a:t>For </a:t>
+            </a:r>
+            <a:r>
+              <a:rPr lang="en-US" dirty="0" err="1" smtClean="0"/>
+              <a:t>Reseacher</a:t>
+            </a:r>
+            <a:r>
+              <a:rPr lang="en-US" dirty="0" smtClean="0"/>
+              <a:t> (me) ?</a:t>
+            </a:r>
+          </a:p>
+          <a:p>
+            <a:r>
+              <a:rPr lang="en-US" dirty="0" smtClean="0"/>
+              <a:t>For User (student and everyone) ?</a:t>
+            </a:r>
+          </a:p>
+          <a:p>
+            <a:r>
+              <a:rPr lang="en-US" dirty="0" smtClean="0"/>
+              <a:t>For next research ?</a:t>
+            </a:r>
           </a:p>
           <a:p>
             <a:endParaRPr lang="en-US" dirty="0"/>
@@ -5787,7 +6419,7 @@
     </p:spTree>
     <p:extLst>
       <p:ext uri="{BB962C8B-B14F-4D97-AF65-F5344CB8AC3E}">
-        <p14:creationId xmlns:p14="http://schemas.microsoft.com/office/powerpoint/2010/main" val="2820172331"/>
+        <p14:creationId xmlns:p14="http://schemas.microsoft.com/office/powerpoint/2010/main" val="312668226"/>
       </p:ext>
     </p:extLst>
   </p:cSld>
@@ -5831,69 +6463,132 @@
             <p:ph type="title"/>
           </p:nvPr>
         </p:nvSpPr>
-        <p:spPr/>
+        <p:spPr>
+          <a:xfrm>
+            <a:off x="549275" y="44774"/>
+            <a:ext cx="8042276" cy="933172"/>
+          </a:xfrm>
+        </p:spPr>
         <p:txBody>
           <a:bodyPr/>
           <a:lstStyle/>
           <a:p>
             <a:r>
+              <a:rPr lang="en-US" dirty="0" smtClean="0"/>
+              <a:t>references()</a:t>
+            </a:r>
+            <a:endParaRPr lang="en-US" dirty="0"/>
+          </a:p>
+        </p:txBody>
+      </p:sp>
+      <p:sp>
+        <p:nvSpPr>
+          <p:cNvPr id="3" name="Content Placeholder 2"/>
+          <p:cNvSpPr>
+            <a:spLocks noGrp="1"/>
+          </p:cNvSpPr>
+          <p:nvPr>
+            <p:ph idx="1"/>
+          </p:nvPr>
+        </p:nvSpPr>
+        <p:spPr>
+          <a:xfrm>
+            <a:off x="230920" y="1303281"/>
+            <a:ext cx="8758445" cy="5261923"/>
+          </a:xfrm>
+        </p:spPr>
+        <p:txBody>
+          <a:bodyPr/>
+          <a:lstStyle/>
+          <a:p>
+            <a:r>
+              <a:rPr lang="en-US" dirty="0" smtClean="0"/>
+              <a:t>Robins,2003 : two factor =&gt; from himself, from teaching strategies.</a:t>
+            </a:r>
+          </a:p>
+          <a:p>
+            <a:r>
+              <a:rPr lang="en-US" dirty="0" smtClean="0"/>
+              <a:t>Lahtinen</a:t>
+            </a:r>
+            <a:r>
               <a:rPr lang="en-US" dirty="0"/>
-              <a:t>basic theory</a:t>
-            </a:r>
-          </a:p>
-        </p:txBody>
-      </p:sp>
-      <p:sp>
-        <p:nvSpPr>
-          <p:cNvPr id="3" name="Content Placeholder 2"/>
-          <p:cNvSpPr>
-            <a:spLocks noGrp="1"/>
-          </p:cNvSpPr>
-          <p:nvPr>
-            <p:ph idx="1"/>
-          </p:nvPr>
-        </p:nvSpPr>
-        <p:spPr/>
-        <p:txBody>
-          <a:bodyPr/>
-          <a:lstStyle/>
-          <a:p>
-            <a:r>
-              <a:rPr lang="en-US" dirty="0" smtClean="0"/>
-              <a:t>About learning and learning programming</a:t>
-            </a:r>
-          </a:p>
-          <a:p>
-            <a:r>
-              <a:rPr lang="en-US" dirty="0" smtClean="0"/>
-              <a:t>Why programming is so difficult?</a:t>
-            </a:r>
-          </a:p>
-          <a:p>
-            <a:r>
-              <a:rPr lang="en-US" dirty="0" smtClean="0"/>
-              <a:t>VPLs is better solution?</a:t>
-            </a:r>
-          </a:p>
-          <a:p>
-            <a:r>
-              <a:rPr lang="en-US" dirty="0" smtClean="0"/>
-              <a:t>Advantages and disadvantages about VPLs.</a:t>
-            </a:r>
-          </a:p>
-          <a:p>
-            <a:r>
-              <a:rPr lang="en-US" dirty="0" err="1" smtClean="0"/>
-              <a:t>IndoBlockly</a:t>
-            </a:r>
+              <a:t>,2005 : types of programming </a:t>
+            </a:r>
+            <a:r>
+              <a:rPr lang="en-US" dirty="0" smtClean="0"/>
+              <a:t>languages =&gt; important factor for novice programmer.</a:t>
+            </a:r>
+          </a:p>
+          <a:p>
+            <a:r>
+              <a:rPr lang="hu-HU" dirty="0"/>
+              <a:t>Kelleher dan Pausch,</a:t>
+            </a:r>
+            <a:r>
+              <a:rPr lang="hu-HU" dirty="0" smtClean="0"/>
+              <a:t>2003 : programming environment taxonomy =&gt; highest taxonomy is teaching system. Technical and social problems about novice programmer.</a:t>
+            </a:r>
+          </a:p>
+          <a:p>
+            <a:r>
+              <a:rPr lang="en-US" dirty="0" smtClean="0"/>
+              <a:t>Scratch paper by Maloney, 2008 : scratch club house </a:t>
+            </a:r>
+            <a:r>
+              <a:rPr lang="en-US" dirty="0" smtClean="0">
+                <a:sym typeface="Wingdings"/>
+              </a:rPr>
+              <a:t> </a:t>
+            </a:r>
+            <a:r>
+              <a:rPr lang="cs-CZ" dirty="0" err="1" smtClean="0"/>
+              <a:t>scratch.mit.edu</a:t>
+            </a:r>
+            <a:r>
+              <a:rPr lang="cs-CZ" dirty="0" smtClean="0"/>
+              <a:t> , full support </a:t>
+            </a:r>
+            <a:r>
+              <a:rPr lang="cs-CZ" dirty="0" smtClean="0"/>
+              <a:t>by (</a:t>
+            </a:r>
+            <a:r>
+              <a:rPr lang="cs-CZ" dirty="0" err="1" smtClean="0"/>
+              <a:t>page</a:t>
+            </a:r>
+            <a:r>
+              <a:rPr lang="cs-CZ" dirty="0" smtClean="0"/>
+              <a:t> 11) </a:t>
+            </a:r>
+            <a:r>
+              <a:rPr lang="en-US" dirty="0">
+                <a:hlinkClick r:id="rId2"/>
+              </a:rPr>
+              <a:t>Massachusetts Institute of Technology</a:t>
+            </a:r>
+            <a:endParaRPr lang="en-US" dirty="0" smtClean="0">
+              <a:sym typeface="Wingdings"/>
+            </a:endParaRPr>
+          </a:p>
+          <a:p>
             <a:endParaRPr lang="en-US" dirty="0" smtClean="0"/>
+          </a:p>
+          <a:p>
+            <a:pPr marL="0" indent="0">
+              <a:buNone/>
+            </a:pPr>
+            <a:endParaRPr lang="en-US" dirty="0"/>
+          </a:p>
+          <a:p>
+            <a:endParaRPr lang="en-US" dirty="0"/>
           </a:p>
         </p:txBody>
       </p:sp>
     </p:spTree>
     <p:extLst>
       <p:ext uri="{BB962C8B-B14F-4D97-AF65-F5344CB8AC3E}">
-        <p14:creationId xmlns:p14="http://schemas.microsoft.com/office/powerpoint/2010/main" val="1743518116"/>
+        <p14:creationId xmlns:p14="http://schemas.microsoft.com/office/powerpoint/2010/main" val="2820172331"/>
       </p:ext>
     </p:extLst>
   </p:cSld>
@@ -5937,6 +6632,112 @@
             <p:ph type="title"/>
           </p:nvPr>
         </p:nvSpPr>
+        <p:spPr/>
+        <p:txBody>
+          <a:bodyPr/>
+          <a:lstStyle/>
+          <a:p>
+            <a:r>
+              <a:rPr lang="en-US" dirty="0"/>
+              <a:t>basic theory</a:t>
+            </a:r>
+          </a:p>
+        </p:txBody>
+      </p:sp>
+      <p:sp>
+        <p:nvSpPr>
+          <p:cNvPr id="3" name="Content Placeholder 2"/>
+          <p:cNvSpPr>
+            <a:spLocks noGrp="1"/>
+          </p:cNvSpPr>
+          <p:nvPr>
+            <p:ph idx="1"/>
+          </p:nvPr>
+        </p:nvSpPr>
+        <p:spPr/>
+        <p:txBody>
+          <a:bodyPr/>
+          <a:lstStyle/>
+          <a:p>
+            <a:r>
+              <a:rPr lang="en-US" dirty="0" smtClean="0"/>
+              <a:t>About learning and learning programming</a:t>
+            </a:r>
+          </a:p>
+          <a:p>
+            <a:r>
+              <a:rPr lang="en-US" dirty="0" smtClean="0"/>
+              <a:t>Why programming is so difficult?</a:t>
+            </a:r>
+          </a:p>
+          <a:p>
+            <a:r>
+              <a:rPr lang="en-US" dirty="0" smtClean="0"/>
+              <a:t>VPLs is better solution?</a:t>
+            </a:r>
+          </a:p>
+          <a:p>
+            <a:r>
+              <a:rPr lang="en-US" dirty="0" smtClean="0"/>
+              <a:t>Advantages and disadvantages about VPLs.</a:t>
+            </a:r>
+          </a:p>
+          <a:p>
+            <a:r>
+              <a:rPr lang="en-US" dirty="0" err="1" smtClean="0"/>
+              <a:t>IndoBlockly</a:t>
+            </a:r>
+            <a:endParaRPr lang="en-US" dirty="0" smtClean="0"/>
+          </a:p>
+        </p:txBody>
+      </p:sp>
+    </p:spTree>
+    <p:extLst>
+      <p:ext uri="{BB962C8B-B14F-4D97-AF65-F5344CB8AC3E}">
+        <p14:creationId xmlns:p14="http://schemas.microsoft.com/office/powerpoint/2010/main" val="1743518116"/>
+      </p:ext>
+    </p:extLst>
+  </p:cSld>
+  <p:clrMapOvr>
+    <a:masterClrMapping/>
+  </p:clrMapOvr>
+  <p:timing>
+    <p:tnLst>
+      <p:par>
+        <p:cTn xmlns:p14="http://schemas.microsoft.com/office/powerpoint/2010/main" id="1" dur="indefinite" restart="never" nodeType="tmRoot"/>
+      </p:par>
+    </p:tnLst>
+  </p:timing>
+</p:sld>
+</file>
+
+<file path=ppt/slides/slide8.xml><?xml version="1.0" encoding="utf-8"?>
+<p:sld xmlns:a="http://schemas.openxmlformats.org/drawingml/2006/main" xmlns:r="http://schemas.openxmlformats.org/officeDocument/2006/relationships" xmlns:p="http://schemas.openxmlformats.org/presentationml/2006/main">
+  <p:cSld>
+    <p:spTree>
+      <p:nvGrpSpPr>
+        <p:cNvPr id="1" name=""/>
+        <p:cNvGrpSpPr/>
+        <p:nvPr/>
+      </p:nvGrpSpPr>
+      <p:grpSpPr>
+        <a:xfrm>
+          <a:off x="0" y="0"/>
+          <a:ext cx="0" cy="0"/>
+          <a:chOff x="0" y="0"/>
+          <a:chExt cx="0" cy="0"/>
+        </a:xfrm>
+      </p:grpSpPr>
+      <p:sp>
+        <p:nvSpPr>
+          <p:cNvPr id="2" name="Title 1"/>
+          <p:cNvSpPr>
+            <a:spLocks noGrp="1"/>
+          </p:cNvSpPr>
+          <p:nvPr>
+            <p:ph type="title"/>
+          </p:nvPr>
+        </p:nvSpPr>
         <p:spPr>
           <a:xfrm>
             <a:off x="549275" y="553093"/>
@@ -6143,8 +6944,13 @@
             </a:r>
             <a:r>
               <a:rPr lang="en-US" dirty="0" smtClean="0"/>
-              <a:t>).</a:t>
-            </a:r>
+              <a:t>)</a:t>
+            </a:r>
+            <a:r>
+              <a:rPr lang="en-US" dirty="0" smtClean="0"/>
+              <a:t>. Page :47</a:t>
+            </a:r>
+            <a:endParaRPr lang="en-US" dirty="0" smtClean="0"/>
           </a:p>
           <a:p>
             <a:r>
@@ -6282,7 +7088,7 @@
 </p:sld>
 </file>
 
-<file path=ppt/slides/slide8.xml><?xml version="1.0" encoding="utf-8"?>
+<file path=ppt/slides/slide9.xml><?xml version="1.0" encoding="utf-8"?>
 <p:sld xmlns:a="http://schemas.openxmlformats.org/drawingml/2006/main" xmlns:r="http://schemas.openxmlformats.org/officeDocument/2006/relationships" xmlns:p="http://schemas.openxmlformats.org/presentationml/2006/main">
   <p:cSld>
     <p:spTree>
@@ -6703,140 +7509,6 @@
     <p:extLst>
       <p:ext uri="{BB962C8B-B14F-4D97-AF65-F5344CB8AC3E}">
         <p14:creationId xmlns:p14="http://schemas.microsoft.com/office/powerpoint/2010/main" val="3257910039"/>
-      </p:ext>
-    </p:extLst>
-  </p:cSld>
-  <p:clrMapOvr>
-    <a:masterClrMapping/>
-  </p:clrMapOvr>
-  <p:timing>
-    <p:tnLst>
-      <p:par>
-        <p:cTn xmlns:p14="http://schemas.microsoft.com/office/powerpoint/2010/main" id="1" dur="indefinite" restart="never" nodeType="tmRoot"/>
-      </p:par>
-    </p:tnLst>
-  </p:timing>
-</p:sld>
-</file>
-
-<file path=ppt/slides/slide9.xml><?xml version="1.0" encoding="utf-8"?>
-<p:sld xmlns:a="http://schemas.openxmlformats.org/drawingml/2006/main" xmlns:r="http://schemas.openxmlformats.org/officeDocument/2006/relationships" xmlns:p="http://schemas.openxmlformats.org/presentationml/2006/main">
-  <p:cSld>
-    <p:spTree>
-      <p:nvGrpSpPr>
-        <p:cNvPr id="1" name=""/>
-        <p:cNvGrpSpPr/>
-        <p:nvPr/>
-      </p:nvGrpSpPr>
-      <p:grpSpPr>
-        <a:xfrm>
-          <a:off x="0" y="0"/>
-          <a:ext cx="0" cy="0"/>
-          <a:chOff x="0" y="0"/>
-          <a:chExt cx="0" cy="0"/>
-        </a:xfrm>
-      </p:grpSpPr>
-      <p:sp>
-        <p:nvSpPr>
-          <p:cNvPr id="2" name="Title 1"/>
-          <p:cNvSpPr>
-            <a:spLocks noGrp="1"/>
-          </p:cNvSpPr>
-          <p:nvPr>
-            <p:ph type="title"/>
-          </p:nvPr>
-        </p:nvSpPr>
-        <p:spPr>
-          <a:xfrm>
-            <a:off x="549275" y="540405"/>
-            <a:ext cx="8042276" cy="865658"/>
-          </a:xfrm>
-        </p:spPr>
-        <p:txBody>
-          <a:bodyPr/>
-          <a:lstStyle/>
-          <a:p>
-            <a:r>
-              <a:rPr lang="en-US" dirty="0" smtClean="0"/>
-              <a:t>discussion</a:t>
-            </a:r>
-            <a:endParaRPr lang="en-US" dirty="0"/>
-          </a:p>
-        </p:txBody>
-      </p:sp>
-      <p:sp>
-        <p:nvSpPr>
-          <p:cNvPr id="3" name="Content Placeholder 2"/>
-          <p:cNvSpPr>
-            <a:spLocks noGrp="1"/>
-          </p:cNvSpPr>
-          <p:nvPr>
-            <p:ph idx="1"/>
-          </p:nvPr>
-        </p:nvSpPr>
-        <p:spPr>
-          <a:xfrm>
-            <a:off x="681229" y="1814504"/>
-            <a:ext cx="8042276" cy="3777467"/>
-          </a:xfrm>
-        </p:spPr>
-        <p:txBody>
-          <a:bodyPr/>
-          <a:lstStyle/>
-          <a:p>
-            <a:r>
-              <a:rPr lang="en-US" dirty="0" err="1" smtClean="0"/>
-              <a:t>Analisis</a:t>
-            </a:r>
-            <a:r>
-              <a:rPr lang="en-US" dirty="0" smtClean="0"/>
-              <a:t> </a:t>
-            </a:r>
-            <a:r>
-              <a:rPr lang="en-US" dirty="0" err="1" smtClean="0"/>
-              <a:t>Deskriptif</a:t>
-            </a:r>
-            <a:endParaRPr lang="en-US" dirty="0" smtClean="0"/>
-          </a:p>
-          <a:p>
-            <a:r>
-              <a:rPr lang="en-US" dirty="0" err="1" smtClean="0"/>
-              <a:t>Analisis</a:t>
-            </a:r>
-            <a:r>
-              <a:rPr lang="en-US" dirty="0" smtClean="0"/>
-              <a:t> Index Gain</a:t>
-            </a:r>
-          </a:p>
-          <a:p>
-            <a:r>
-              <a:rPr lang="en-US" dirty="0" err="1" smtClean="0"/>
-              <a:t>Analisis</a:t>
-            </a:r>
-            <a:r>
-              <a:rPr lang="en-US" dirty="0" smtClean="0"/>
-              <a:t> </a:t>
-            </a:r>
-            <a:r>
-              <a:rPr lang="en-US" dirty="0" err="1" smtClean="0"/>
-              <a:t>Statistik</a:t>
-            </a:r>
-            <a:r>
-              <a:rPr lang="en-US" dirty="0" smtClean="0"/>
-              <a:t> </a:t>
-            </a:r>
-            <a:r>
-              <a:rPr lang="en-US" dirty="0" err="1" smtClean="0"/>
-              <a:t>Inferensi</a:t>
-            </a:r>
-            <a:endParaRPr lang="en-US" dirty="0"/>
-          </a:p>
-        </p:txBody>
-      </p:sp>
-    </p:spTree>
-    <p:extLst>
-      <p:ext uri="{BB962C8B-B14F-4D97-AF65-F5344CB8AC3E}">
-        <p14:creationId xmlns:p14="http://schemas.microsoft.com/office/powerpoint/2010/main" val="1387042241"/>
       </p:ext>
     </p:extLst>
   </p:cSld>

--- a/presentasi munaqosah/presentasi munaqosah.pptx
+++ b/presentasi munaqosah/presentasi munaqosah.pptx
@@ -3714,27 +3714,35 @@
           </a:lstStyle>
           <a:p>
             <a:r>
-              <a:rPr lang="hu-HU" sz="2000" b="1" smtClean="0"/>
+              <a:rPr lang="hu-HU" sz="2000" b="1" dirty="0" smtClean="0"/>
               <a:t>Pengaruh Model Pembelajaran Menggunakan </a:t>
             </a:r>
             <a:r>
-              <a:rPr lang="hu-HU" sz="2000" b="1" i="1" smtClean="0"/>
+              <a:rPr lang="hu-HU" sz="2000" b="1" i="1" dirty="0" smtClean="0"/>
               <a:t>IndoBlockly </a:t>
             </a:r>
             <a:r>
-              <a:rPr lang="hu-HU" sz="2000" b="1" smtClean="0"/>
+              <a:rPr lang="hu-HU" sz="2000" b="1" dirty="0" smtClean="0"/>
               <a:t>(Bahasa </a:t>
             </a:r>
             <a:r>
-              <a:rPr lang="hu-HU" sz="2000" smtClean="0"/>
+              <a:rPr lang="hu-HU" sz="2000" dirty="0" smtClean="0"/>
               <a:t/>
             </a:r>
             <a:br>
-              <a:rPr lang="hu-HU" sz="2000" smtClean="0"/>
+              <a:rPr lang="hu-HU" sz="2000" dirty="0" smtClean="0"/>
             </a:br>
             <a:r>
-              <a:rPr lang="hu-HU" sz="2000" b="1" smtClean="0"/>
-              <a:t>Pemrograman Visual Block) terhadap Pemahaman Mahasiswa pada Matakuliah Pemrograman Terstruktur (Studi pada Mahasiswa Semester I Angkatan 2012/2013 Teknik Informatika UIN Sunan Kalijaga Yogyakarta) </a:t>
+              <a:rPr lang="hu-HU" sz="2000" b="1" dirty="0" smtClean="0"/>
+              <a:t>Pemrograman Visual Block) terhadap Pemahaman Mahasiswa pada </a:t>
+            </a:r>
+            <a:r>
+              <a:rPr lang="hu-HU" sz="2000" b="1" dirty="0" smtClean="0"/>
+              <a:t>Mata Kuliah </a:t>
+            </a:r>
+            <a:r>
+              <a:rPr lang="hu-HU" sz="2000" b="1" dirty="0" smtClean="0"/>
+              <a:t>Pemrograman Terstruktur (Studi pada Mahasiswa Semester I Angkatan 2012/2013 Teknik Informatika UIN Sunan Kalijaga Yogyakarta) </a:t>
             </a:r>
             <a:endParaRPr lang="hu-HU" sz="2000" dirty="0"/>
           </a:p>
@@ -4431,7 +4439,7 @@
         </p:spPr>
         <p:txBody>
           <a:bodyPr>
-            <a:normAutofit lnSpcReduction="10000"/>
+            <a:normAutofit/>
           </a:bodyPr>
           <a:lstStyle/>
           <a:p>
@@ -4491,7 +4499,15 @@
             </a:r>
             <a:r>
               <a:rPr lang="en-US" dirty="0" smtClean="0"/>
-              <a:t>Shapiro, h0: normal, h1: </a:t>
+              <a:t>Shapiro </a:t>
+            </a:r>
+            <a:r>
+              <a:rPr lang="en-US" dirty="0" err="1" smtClean="0"/>
+              <a:t>Wilk</a:t>
+            </a:r>
+            <a:r>
+              <a:rPr lang="en-US" dirty="0" smtClean="0"/>
+              <a:t>, h0: normal, h1: </a:t>
             </a:r>
             <a:r>
               <a:rPr lang="en-US" dirty="0" err="1" smtClean="0"/>
@@ -4601,6 +4617,10 @@
             </a:r>
             <a:r>
               <a:rPr lang="en-US" dirty="0" smtClean="0"/>
+              <a:t> rata-rata</a:t>
+            </a:r>
+            <a:r>
+              <a:rPr lang="en-US" dirty="0" smtClean="0"/>
               <a:t>, h1: </a:t>
             </a:r>
             <a:r>
@@ -4617,35 +4637,15 @@
             </a:r>
             <a:r>
               <a:rPr lang="en-US" dirty="0" smtClean="0"/>
-              <a:t>.</a:t>
-            </a:r>
-            <a:r>
-              <a:rPr lang="en-US" dirty="0" smtClean="0"/>
-              <a:t> </a:t>
-            </a:r>
-            <a:r>
-              <a:rPr lang="en-US" dirty="0" err="1" smtClean="0"/>
-              <a:t>tidak</a:t>
-            </a:r>
-            <a:r>
-              <a:rPr lang="en-US" dirty="0" smtClean="0"/>
-              <a:t> </a:t>
-            </a:r>
-            <a:r>
-              <a:rPr lang="en-US" dirty="0" err="1" smtClean="0"/>
-              <a:t>terdapat</a:t>
-            </a:r>
-            <a:r>
-              <a:rPr lang="en-US" dirty="0" smtClean="0"/>
-              <a:t> </a:t>
-            </a:r>
-            <a:r>
-              <a:rPr lang="en-US" dirty="0" err="1" smtClean="0"/>
-              <a:t>perbedaan</a:t>
-            </a:r>
-            <a:r>
-              <a:rPr lang="en-US" dirty="0" smtClean="0"/>
-              <a:t> rata-rata, p-value 0,749 &gt; 0,05</a:t>
+              <a:t> rata-rata</a:t>
+            </a:r>
+            <a:r>
+              <a:rPr lang="en-US" dirty="0" smtClean="0"/>
+              <a:t>, </a:t>
+            </a:r>
+            <a:r>
+              <a:rPr lang="en-US" dirty="0" smtClean="0"/>
+              <a:t>p-value 0,749 &gt; 0,05</a:t>
             </a:r>
             <a:r>
               <a:rPr lang="en-US" dirty="0" smtClean="0"/>
@@ -4800,11 +4800,11 @@
             </a:r>
             <a:r>
               <a:rPr lang="en-US" dirty="0"/>
-              <a:t> </a:t>
-            </a:r>
-            <a:r>
-              <a:rPr lang="en-US" dirty="0" smtClean="0"/>
-              <a:t>.h0</a:t>
+              <a:t> ,</a:t>
+            </a:r>
+            <a:r>
+              <a:rPr lang="en-US" dirty="0" smtClean="0"/>
+              <a:t>h0</a:t>
             </a:r>
             <a:r>
               <a:rPr lang="en-US" dirty="0"/>
@@ -4892,12 +4892,16 @@
               <a:t> </a:t>
             </a:r>
             <a:r>
-              <a:rPr lang="en-US" dirty="0" err="1"/>
+              <a:rPr lang="en-US" dirty="0" err="1" smtClean="0"/>
               <a:t>perbedaan</a:t>
             </a:r>
             <a:r>
+              <a:rPr lang="en-US" dirty="0" smtClean="0"/>
+              <a:t> rata-rata, </a:t>
+            </a:r>
+            <a:r>
               <a:rPr lang="en-US" dirty="0"/>
-              <a:t>, h1: </a:t>
+              <a:t>h1: </a:t>
             </a:r>
             <a:r>
               <a:rPr lang="en-US" dirty="0" err="1"/>
@@ -4908,36 +4912,20 @@
               <a:t> </a:t>
             </a:r>
             <a:r>
-              <a:rPr lang="en-US" dirty="0" err="1"/>
+              <a:rPr lang="en-US" dirty="0" err="1" smtClean="0"/>
               <a:t>perbedaan</a:t>
             </a:r>
             <a:r>
               <a:rPr lang="en-US" dirty="0"/>
-              <a:t>. </a:t>
-            </a:r>
-            <a:r>
-              <a:rPr lang="en-US" dirty="0" err="1"/>
-              <a:t>tidak</a:t>
+              <a:t> </a:t>
+            </a:r>
+            <a:r>
+              <a:rPr lang="en-US" dirty="0" smtClean="0"/>
+              <a:t>rata-rata, </a:t>
             </a:r>
             <a:r>
               <a:rPr lang="en-US" dirty="0"/>
-              <a:t> </a:t>
-            </a:r>
-            <a:r>
-              <a:rPr lang="en-US" dirty="0" err="1"/>
-              <a:t>terdapat</a:t>
-            </a:r>
-            <a:r>
-              <a:rPr lang="en-US" dirty="0"/>
-              <a:t> </a:t>
-            </a:r>
-            <a:r>
-              <a:rPr lang="en-US" dirty="0" err="1"/>
-              <a:t>perbedaan</a:t>
-            </a:r>
-            <a:r>
-              <a:rPr lang="en-US" dirty="0"/>
-              <a:t> rata-rata, p-value </a:t>
+              <a:t>p-value </a:t>
             </a:r>
             <a:r>
               <a:rPr lang="en-US" dirty="0" smtClean="0"/>
@@ -5204,8 +5192,8 @@
         </p:nvSpPr>
         <p:spPr>
           <a:xfrm>
-            <a:off x="549275" y="1060422"/>
-            <a:ext cx="8042276" cy="5504783"/>
+            <a:off x="549275" y="1538791"/>
+            <a:ext cx="8042276" cy="4795477"/>
           </a:xfrm>
         </p:spPr>
         <p:txBody>
@@ -5382,11 +5370,95 @@
             </a:r>
             <a:r>
               <a:rPr lang="en-US" dirty="0" smtClean="0"/>
-              <a:t> (Spearman</a:t>
-            </a:r>
-            <a:r>
-              <a:rPr lang="en-US" dirty="0" smtClean="0"/>
-              <a:t>)</a:t>
+              <a:t>, </a:t>
+            </a:r>
+            <a:r>
+              <a:rPr lang="en-US" dirty="0" err="1" smtClean="0"/>
+              <a:t>karena</a:t>
+            </a:r>
+            <a:r>
+              <a:rPr lang="en-US" dirty="0" smtClean="0"/>
+              <a:t> data </a:t>
+            </a:r>
+            <a:r>
+              <a:rPr lang="en-US" dirty="0" err="1" smtClean="0"/>
+              <a:t>tidak</a:t>
+            </a:r>
+            <a:r>
+              <a:rPr lang="en-US" dirty="0" smtClean="0"/>
+              <a:t> normal </a:t>
+            </a:r>
+            <a:r>
+              <a:rPr lang="en-US" dirty="0" err="1" smtClean="0"/>
+              <a:t>jadi</a:t>
+            </a:r>
+            <a:r>
+              <a:rPr lang="en-US" dirty="0" smtClean="0"/>
+              <a:t> </a:t>
+            </a:r>
+            <a:r>
+              <a:rPr lang="en-US" dirty="0" err="1" smtClean="0"/>
+              <a:t>menggunakan</a:t>
+            </a:r>
+            <a:r>
+              <a:rPr lang="en-US" dirty="0" smtClean="0"/>
+              <a:t> </a:t>
+            </a:r>
+            <a:r>
+              <a:rPr lang="en-US" dirty="0" err="1" smtClean="0"/>
+              <a:t>analisis</a:t>
+            </a:r>
+            <a:r>
+              <a:rPr lang="en-US" dirty="0" smtClean="0"/>
+              <a:t> </a:t>
+            </a:r>
+            <a:r>
+              <a:rPr lang="en-US" dirty="0" err="1" smtClean="0"/>
+              <a:t>korelasi</a:t>
+            </a:r>
+            <a:r>
+              <a:rPr lang="en-US" dirty="0" smtClean="0"/>
+              <a:t> non </a:t>
+            </a:r>
+            <a:r>
+              <a:rPr lang="en-US" dirty="0" err="1" smtClean="0"/>
+              <a:t>parametrik</a:t>
+            </a:r>
+            <a:r>
+              <a:rPr lang="en-US" dirty="0" smtClean="0"/>
+              <a:t> </a:t>
+            </a:r>
+            <a:r>
+              <a:rPr lang="en-US" dirty="0" err="1" smtClean="0"/>
+              <a:t>yaitu</a:t>
+            </a:r>
+            <a:r>
+              <a:rPr lang="en-US" dirty="0" smtClean="0"/>
+              <a:t> </a:t>
+            </a:r>
+            <a:r>
+              <a:rPr lang="en-US" dirty="0" err="1" smtClean="0"/>
+              <a:t>menggunakan</a:t>
+            </a:r>
+            <a:r>
+              <a:rPr lang="en-US" dirty="0" smtClean="0"/>
+              <a:t>, </a:t>
+            </a:r>
+            <a:r>
+              <a:rPr lang="en-US" dirty="0" err="1" smtClean="0"/>
+              <a:t>Uji</a:t>
+            </a:r>
+            <a:r>
+              <a:rPr lang="en-US" dirty="0" smtClean="0"/>
+              <a:t> </a:t>
+            </a:r>
+            <a:r>
+              <a:rPr lang="en-US" dirty="0" err="1" smtClean="0"/>
+              <a:t>Korelasi</a:t>
+            </a:r>
+            <a:r>
+              <a:rPr lang="en-US" dirty="0" smtClean="0"/>
+              <a:t> Spearman.</a:t>
             </a:r>
             <a:endParaRPr lang="en-US" dirty="0" smtClean="0"/>
           </a:p>
@@ -5465,16 +5537,40 @@
         <p:spPr/>
         <p:txBody>
           <a:bodyPr>
-            <a:normAutofit lnSpcReduction="10000"/>
+            <a:normAutofit fontScale="92500"/>
           </a:bodyPr>
           <a:lstStyle/>
           <a:p>
             <a:r>
-              <a:rPr lang="en-US" dirty="0" err="1"/>
+              <a:rPr lang="en-US" dirty="0" err="1" smtClean="0"/>
+              <a:t>Tapi</a:t>
+            </a:r>
+            <a:r>
+              <a:rPr lang="en-US" dirty="0" smtClean="0"/>
+              <a:t> </a:t>
+            </a:r>
+            <a:r>
+              <a:rPr lang="en-US" dirty="0" err="1" smtClean="0"/>
               <a:t>Sebelumnya</a:t>
             </a:r>
             <a:r>
-              <a:rPr lang="en-US" dirty="0"/>
+              <a:rPr lang="en-US" dirty="0" smtClean="0"/>
+              <a:t> </a:t>
+            </a:r>
+            <a:r>
+              <a:rPr lang="en-US" dirty="0" err="1" smtClean="0"/>
+              <a:t>harus</a:t>
+            </a:r>
+            <a:r>
+              <a:rPr lang="en-US" dirty="0" smtClean="0"/>
+              <a:t> </a:t>
+            </a:r>
+            <a:r>
+              <a:rPr lang="en-US" dirty="0" err="1" smtClean="0"/>
+              <a:t>dilakukan</a:t>
+            </a:r>
+            <a:r>
+              <a:rPr lang="en-US" dirty="0" smtClean="0"/>
               <a:t> </a:t>
             </a:r>
             <a:r>
@@ -5519,11 +5615,19 @@
             </a:r>
             <a:r>
               <a:rPr lang="en-US" dirty="0" err="1" smtClean="0"/>
-              <a:t>berhunungan</a:t>
-            </a:r>
-            <a:r>
-              <a:rPr lang="en-US" dirty="0" smtClean="0"/>
-              <a:t>), h0:No </a:t>
+              <a:t>berhubungan</a:t>
+            </a:r>
+            <a:r>
+              <a:rPr lang="en-US" dirty="0" smtClean="0"/>
+              <a:t>), h0: </a:t>
+            </a:r>
+            <a:r>
+              <a:rPr lang="en-US" dirty="0" err="1" smtClean="0"/>
+              <a:t>Tidak</a:t>
+            </a:r>
+            <a:r>
+              <a:rPr lang="en-US" dirty="0" smtClean="0"/>
+              <a:t> Ada </a:t>
             </a:r>
             <a:r>
               <a:rPr lang="en-US" dirty="0" err="1" smtClean="0"/>
@@ -5602,20 +5706,56 @@
             </a:r>
             <a:r>
               <a:rPr lang="en-US" dirty="0" smtClean="0"/>
-              <a:t>spearman : </a:t>
-            </a:r>
-            <a:r>
-              <a:rPr lang="en-US" dirty="0"/>
-              <a:t>0,43</a:t>
-            </a:r>
-          </a:p>
-          <a:p>
-            <a:r>
-              <a:rPr lang="en-US" dirty="0" err="1"/>
+              <a:t>Spearman, </a:t>
+            </a:r>
+            <a:r>
+              <a:rPr lang="en-US" dirty="0" err="1" smtClean="0"/>
+              <a:t>hasilnya</a:t>
+            </a:r>
+            <a:r>
+              <a:rPr lang="en-US" dirty="0" smtClean="0"/>
+              <a:t> r: 0,43 : </a:t>
+            </a:r>
+            <a:r>
+              <a:rPr lang="en-US" dirty="0" err="1" smtClean="0"/>
+              <a:t>interpretasi</a:t>
+            </a:r>
+            <a:r>
+              <a:rPr lang="en-US" dirty="0" smtClean="0"/>
+              <a:t> </a:t>
+            </a:r>
+            <a:r>
+              <a:rPr lang="en-US" dirty="0" err="1" smtClean="0"/>
+              <a:t>sedang</a:t>
+            </a:r>
+            <a:r>
+              <a:rPr lang="en-US" dirty="0" smtClean="0"/>
+              <a:t>. </a:t>
+            </a:r>
+            <a:r>
+              <a:rPr lang="en-US" dirty="0" err="1" smtClean="0"/>
+              <a:t>Tabel</a:t>
+            </a:r>
+            <a:r>
+              <a:rPr lang="en-US" dirty="0" smtClean="0"/>
+              <a:t> 3.9 </a:t>
+            </a:r>
+            <a:r>
+              <a:rPr lang="en-US" dirty="0" err="1" smtClean="0"/>
+              <a:t>hal</a:t>
+            </a:r>
+            <a:r>
+              <a:rPr lang="en-US" dirty="0" smtClean="0"/>
+              <a:t> 55.</a:t>
+            </a:r>
+          </a:p>
+          <a:p>
+            <a:r>
+              <a:rPr lang="en-US" dirty="0" err="1" smtClean="0"/>
               <a:t>Uji</a:t>
             </a:r>
             <a:r>
-              <a:rPr lang="en-US" dirty="0"/>
+              <a:rPr lang="en-US" dirty="0" smtClean="0"/>
               <a:t> </a:t>
             </a:r>
             <a:r>
@@ -5695,7 +5835,7 @@
               <a:t>ditolak</a:t>
             </a:r>
             <a:r>
-              <a:rPr lang="en-US" smtClean="0"/>
+              <a:rPr lang="en-US" dirty="0" smtClean="0"/>
               <a:t>.</a:t>
             </a:r>
           </a:p>
@@ -5804,9 +5944,98 @@
             </a:r>
             <a:r>
               <a:rPr lang="en-US" dirty="0" smtClean="0"/>
-              <a:t> R tool</a:t>
-            </a:r>
-            <a:endParaRPr lang="en-US" dirty="0"/>
+              <a:t> R </a:t>
+            </a:r>
+            <a:r>
+              <a:rPr lang="en-US" dirty="0" smtClean="0"/>
+              <a:t>tool</a:t>
+            </a:r>
+            <a:br>
+              <a:rPr lang="en-US" dirty="0" smtClean="0"/>
+            </a:br>
+            <a:endParaRPr lang="en-US" sz="2000" dirty="0"/>
+          </a:p>
+        </p:txBody>
+      </p:sp>
+      <p:sp>
+        <p:nvSpPr>
+          <p:cNvPr id="3" name="Title 1"/>
+          <p:cNvSpPr txBox="1">
+            <a:spLocks/>
+          </p:cNvSpPr>
+          <p:nvPr/>
+        </p:nvSpPr>
+        <p:spPr>
+          <a:xfrm>
+            <a:off x="470755" y="4965142"/>
+            <a:ext cx="8042276" cy="557716"/>
+          </a:xfrm>
+          <a:prstGeom prst="rect">
+            <a:avLst/>
+          </a:prstGeom>
+        </p:spPr>
+        <p:txBody>
+          <a:bodyPr vert="horz" lIns="91440" tIns="45720" rIns="91440" bIns="45720" rtlCol="0" anchor="b" anchorCtr="0">
+            <a:noAutofit/>
+          </a:bodyPr>
+          <a:lstStyle>
+            <a:lvl1pPr algn="ctr" defTabSz="914400" rtl="0" eaLnBrk="1" latinLnBrk="0" hangingPunct="1">
+              <a:spcBef>
+                <a:spcPct val="0"/>
+              </a:spcBef>
+              <a:buNone/>
+              <a:defRPr sz="4600" kern="1200">
+                <a:solidFill>
+                  <a:schemeClr val="accent1"/>
+                </a:solidFill>
+                <a:latin typeface="+mj-lt"/>
+                <a:ea typeface="+mj-ea"/>
+                <a:cs typeface="+mj-cs"/>
+              </a:defRPr>
+            </a:lvl1pPr>
+          </a:lstStyle>
+          <a:p>
+            <a:pPr algn="r"/>
+            <a:r>
+              <a:rPr lang="en-US" dirty="0" smtClean="0"/>
+              <a:t/>
+            </a:r>
+            <a:br>
+              <a:rPr lang="en-US" dirty="0" smtClean="0"/>
+            </a:br>
+            <a:r>
+              <a:rPr lang="en-US" sz="2000" dirty="0" smtClean="0"/>
+              <a:t>*</a:t>
+            </a:r>
+            <a:r>
+              <a:rPr lang="en-US" sz="2000" dirty="0" err="1" smtClean="0"/>
+              <a:t>jika</a:t>
+            </a:r>
+            <a:r>
+              <a:rPr lang="en-US" sz="2000" dirty="0" smtClean="0"/>
+              <a:t> </a:t>
+            </a:r>
+            <a:r>
+              <a:rPr lang="en-US" sz="2000" dirty="0" err="1" smtClean="0"/>
+              <a:t>masih</a:t>
+            </a:r>
+            <a:r>
+              <a:rPr lang="en-US" sz="2000" dirty="0" smtClean="0"/>
+              <a:t> </a:t>
+            </a:r>
+            <a:r>
+              <a:rPr lang="en-US" sz="2000" dirty="0" err="1" smtClean="0"/>
+              <a:t>ada</a:t>
+            </a:r>
+            <a:r>
+              <a:rPr lang="en-US" sz="2000" dirty="0" smtClean="0"/>
+              <a:t> </a:t>
+            </a:r>
+            <a:r>
+              <a:rPr lang="en-US" sz="2000" dirty="0" err="1" smtClean="0"/>
+              <a:t>waktu</a:t>
+            </a:r>
+            <a:endParaRPr lang="en-US" sz="2000" dirty="0"/>
           </a:p>
         </p:txBody>
       </p:sp>
@@ -5852,27 +6081,66 @@
         </p:nvSpPr>
         <p:spPr>
           <a:xfrm>
-            <a:off x="549275" y="2532413"/>
-            <a:ext cx="8042276" cy="1336956"/>
+            <a:off x="549275" y="2045441"/>
+            <a:ext cx="8042276" cy="1253657"/>
           </a:xfrm>
         </p:spPr>
         <p:txBody>
           <a:bodyPr/>
           <a:lstStyle/>
           <a:p>
-            <a:r>
-              <a:rPr lang="en-US" dirty="0" err="1" smtClean="0"/>
+            <a:pPr algn="l"/>
+            <a:r>
+              <a:rPr lang="en-US" dirty="0" smtClean="0"/>
+              <a:t/>
+            </a:r>
+            <a:br>
+              <a:rPr lang="en-US" dirty="0" smtClean="0"/>
+            </a:br>
+            <a:r>
+              <a:rPr lang="en-US" dirty="0" smtClean="0"/>
+              <a:t>**</a:t>
+            </a:r>
+            <a:r>
+              <a:rPr lang="en-US" sz="3000" dirty="0" err="1" smtClean="0"/>
               <a:t>Masalah</a:t>
             </a:r>
             <a:r>
-              <a:rPr lang="en-US" dirty="0" smtClean="0"/>
-              <a:t> </a:t>
-            </a:r>
-            <a:r>
-              <a:rPr lang="en-US" dirty="0" err="1" smtClean="0"/>
+              <a:rPr lang="en-US" sz="3000" dirty="0" smtClean="0"/>
+              <a:t> </a:t>
+            </a:r>
+            <a:r>
+              <a:rPr lang="en-US" sz="3000" dirty="0" err="1" smtClean="0"/>
               <a:t>asistensi</a:t>
             </a:r>
-            <a:endParaRPr lang="en-US" dirty="0"/>
+            <a:r>
+              <a:rPr lang="en-US" sz="3000" dirty="0" smtClean="0"/>
+              <a:t/>
+            </a:r>
+            <a:br>
+              <a:rPr lang="en-US" sz="3000" dirty="0" smtClean="0"/>
+            </a:br>
+            <a:r>
+              <a:rPr lang="en-US" dirty="0"/>
+              <a:t>**</a:t>
+            </a:r>
+            <a:r>
+              <a:rPr lang="en-US" sz="3000" dirty="0" err="1" smtClean="0"/>
+              <a:t>Terinspirasi</a:t>
+            </a:r>
+            <a:r>
+              <a:rPr lang="en-US" sz="3000" dirty="0" smtClean="0"/>
+              <a:t> </a:t>
+            </a:r>
+            <a:r>
+              <a:rPr lang="en-US" sz="3000" dirty="0" err="1" smtClean="0"/>
+              <a:t>dari</a:t>
+            </a:r>
+            <a:r>
+              <a:rPr lang="en-US" sz="3000" dirty="0" smtClean="0"/>
+              <a:t> scratch</a:t>
+            </a:r>
+            <a:endParaRPr lang="en-US" sz="3000" dirty="0"/>
           </a:p>
         </p:txBody>
       </p:sp>

--- a/presentasi munaqosah/presentasi munaqosah.pptx
+++ b/presentasi munaqosah/presentasi munaqosah.pptx
@@ -5876,6 +5876,13 @@
   <p:clrMapOvr>
     <a:masterClrMapping/>
   </p:clrMapOvr>
+  <p:timing>
+    <p:tnLst>
+      <p:par>
+        <p:cTn xmlns:p14="http://schemas.microsoft.com/office/powerpoint/2010/main" id="1" dur="indefinite" restart="never" nodeType="tmRoot"/>
+      </p:par>
+    </p:tnLst>
+  </p:timing>
 </p:sld>
 </file>
 
@@ -6049,6 +6056,13 @@
   <p:clrMapOvr>
     <a:masterClrMapping/>
   </p:clrMapOvr>
+  <p:timing>
+    <p:tnLst>
+      <p:par>
+        <p:cTn xmlns:p14="http://schemas.microsoft.com/office/powerpoint/2010/main" id="1" dur="indefinite" restart="never" nodeType="tmRoot"/>
+      </p:par>
+    </p:tnLst>
+  </p:timing>
 </p:sld>
 </file>
 
